--- a/answer.pptx
+++ b/answer.pptx
@@ -4,6 +4,9 @@
   <p:sldMasterIdLst>
     <p:sldMasterId id="2147483648" r:id="rId1"/>
   </p:sldMasterIdLst>
+  <p:notesMasterIdLst>
+    <p:notesMasterId r:id="rId8"/>
+  </p:notesMasterIdLst>
   <p:sldIdLst>
     <p:sldId id="256" r:id="rId2"/>
     <p:sldId id="257" r:id="rId3"/>
@@ -11,12 +14,8 @@
     <p:sldId id="259" r:id="rId5"/>
     <p:sldId id="260" r:id="rId6"/>
     <p:sldId id="261" r:id="rId7"/>
-    <p:sldId id="262" r:id="rId8"/>
   </p:sldIdLst>
-  <p:notesMasterIdLst>
-    <p:notesMasterId r:id="rId9"/>
-  </p:notesMasterIdLst>
-  <p:sldSz cx="9144000" cy="5143500"/>
+  <p:sldSz cx="9144000" cy="5143500" type="screen16x9"/>
   <p:notesSz cx="5143500" cy="9144000"/>
   <p:defaultTextStyle>
     <a:lvl1pPr marL="0" algn="l" defTabSz="914400" rtl="0" eaLnBrk="1" latinLnBrk="0" hangingPunct="1">
@@ -110,7 +109,460 @@
       </a:defRPr>
     </a:lvl9pPr>
   </p:defaultTextStyle>
+  <p:extLst>
+    <p:ext uri="{EFAFB233-063F-42B5-8137-9DF3F51BA10A}">
+      <p15:sldGuideLst xmlns:p15="http://schemas.microsoft.com/office/powerpoint/2012/main"/>
+    </p:ext>
+  </p:extLst>
 </p:presentation>
+</file>
+
+<file path=ppt/charts/chart1.xml><?xml version="1.0" encoding="utf-8"?>
+<c:chartSpace xmlns:c="http://schemas.openxmlformats.org/drawingml/2006/chart" xmlns:a="http://schemas.openxmlformats.org/drawingml/2006/main" xmlns:r="http://schemas.openxmlformats.org/officeDocument/2006/relationships" xmlns:c16r2="http://schemas.microsoft.com/office/drawing/2015/06/chart">
+  <c:date1904 val="0"/>
+  <c:lang val="en-US"/>
+  <c:roundedCorners val="1"/>
+  <c:style val="2"/>
+  <c:chart>
+    <c:title>
+      <c:tx>
+        <c:rich>
+          <a:bodyPr/>
+          <a:lstStyle/>
+          <a:p>
+            <a:pPr>
+              <a:defRPr sz="1800" b="0" i="0" u="none" strike="noStrike">
+                <a:solidFill>
+                  <a:srgbClr val="000000"/>
+                </a:solidFill>
+                <a:latin typeface="Arial"/>
+              </a:defRPr>
+            </a:pPr>
+            <a:r>
+              <a:rPr lang="en-US" sz="1800" b="0" i="0" u="none" strike="noStrike">
+                <a:solidFill>
+                  <a:srgbClr val="000000"/>
+                </a:solidFill>
+                <a:latin typeface="Arial"/>
+              </a:rPr>
+              <a:t>Segmentation accuracy vs threshold</a:t>
+            </a:r>
+          </a:p>
+        </c:rich>
+      </c:tx>
+      <c:overlay val="0"/>
+    </c:title>
+    <c:autoTitleDeleted val="0"/>
+    <c:plotArea>
+      <c:layout/>
+      <c:lineChart>
+        <c:grouping val="standard"/>
+        <c:varyColors val="0"/>
+        <c:ser>
+          <c:idx val="0"/>
+          <c:order val="0"/>
+          <c:tx>
+            <c:strRef>
+              <c:f>Sheet1!$B$1</c:f>
+              <c:strCache>
+                <c:ptCount val="1"/>
+                <c:pt idx="0">
+                  <c:v>Global thr (raw)</c:v>
+                </c:pt>
+              </c:strCache>
+            </c:strRef>
+          </c:tx>
+          <c:spPr>
+            <a:ln w="25400" cap="flat">
+              <a:solidFill>
+                <a:srgbClr val="4F81BD"/>
+              </a:solidFill>
+              <a:prstDash val="solid"/>
+              <a:round/>
+            </a:ln>
+            <a:effectLst/>
+          </c:spPr>
+          <c:marker>
+            <c:symbol val="circle"/>
+            <c:size val="6"/>
+            <c:spPr>
+              <a:solidFill>
+                <a:srgbClr val="4F81BD"/>
+              </a:solidFill>
+              <a:ln w="9525" cap="flat">
+                <a:solidFill>
+                  <a:srgbClr val="4F81BD"/>
+                </a:solidFill>
+                <a:prstDash val="solid"/>
+                <a:round/>
+              </a:ln>
+              <a:effectLst/>
+            </c:spPr>
+          </c:marker>
+          <c:cat>
+            <c:strRef>
+              <c:f>Sheet1!$A$2:$A$8</c:f>
+              <c:strCache>
+                <c:ptCount val="7"/>
+                <c:pt idx="0">
+                  <c:v>0.20</c:v>
+                </c:pt>
+                <c:pt idx="1">
+                  <c:v>0.25</c:v>
+                </c:pt>
+                <c:pt idx="2">
+                  <c:v>0.30</c:v>
+                </c:pt>
+                <c:pt idx="3">
+                  <c:v>0.35</c:v>
+                </c:pt>
+                <c:pt idx="4">
+                  <c:v>0.40</c:v>
+                </c:pt>
+                <c:pt idx="5">
+                  <c:v>0.45</c:v>
+                </c:pt>
+                <c:pt idx="6">
+                  <c:v>0.50</c:v>
+                </c:pt>
+              </c:strCache>
+            </c:strRef>
+          </c:cat>
+          <c:val>
+            <c:numRef>
+              <c:f>Sheet1!$B$2:$B$8</c:f>
+              <c:numCache>
+                <c:formatCode>General</c:formatCode>
+                <c:ptCount val="7"/>
+                <c:pt idx="0">
+                  <c:v>0.38490000000000002</c:v>
+                </c:pt>
+                <c:pt idx="1">
+                  <c:v>0.36770000000000003</c:v>
+                </c:pt>
+                <c:pt idx="2">
+                  <c:v>0.30249999999999999</c:v>
+                </c:pt>
+                <c:pt idx="3">
+                  <c:v>0.23200000000000001</c:v>
+                </c:pt>
+                <c:pt idx="4">
+                  <c:v>0.16250000000000001</c:v>
+                </c:pt>
+                <c:pt idx="5">
+                  <c:v>0.11609999999999999</c:v>
+                </c:pt>
+                <c:pt idx="6">
+                  <c:v>2.6800000000000001E-2</c:v>
+                </c:pt>
+              </c:numCache>
+            </c:numRef>
+          </c:val>
+          <c:smooth val="0"/>
+          <c:extLst>
+            <c:ext xmlns:c16="http://schemas.microsoft.com/office/drawing/2014/chart" uri="{C3380CC4-5D6E-409C-BE32-E72D297353CC}">
+              <c16:uniqueId val="{00000000-8581-4F4E-947B-20FBFE95654E}"/>
+            </c:ext>
+          </c:extLst>
+        </c:ser>
+        <c:ser>
+          <c:idx val="1"/>
+          <c:order val="1"/>
+          <c:tx>
+            <c:strRef>
+              <c:f>Sheet1!$C$1</c:f>
+              <c:strCache>
+                <c:ptCount val="1"/>
+                <c:pt idx="0">
+                  <c:v>ROI thr (raw)</c:v>
+                </c:pt>
+              </c:strCache>
+            </c:strRef>
+          </c:tx>
+          <c:spPr>
+            <a:ln w="25400" cap="flat">
+              <a:solidFill>
+                <a:srgbClr val="9BBB59"/>
+              </a:solidFill>
+              <a:prstDash val="solid"/>
+              <a:round/>
+            </a:ln>
+            <a:effectLst/>
+          </c:spPr>
+          <c:marker>
+            <c:symbol val="circle"/>
+            <c:size val="6"/>
+            <c:spPr>
+              <a:solidFill>
+                <a:srgbClr val="9BBB59"/>
+              </a:solidFill>
+              <a:ln w="9525" cap="flat">
+                <a:solidFill>
+                  <a:srgbClr val="9BBB59"/>
+                </a:solidFill>
+                <a:prstDash val="solid"/>
+                <a:round/>
+              </a:ln>
+              <a:effectLst/>
+            </c:spPr>
+          </c:marker>
+          <c:cat>
+            <c:strRef>
+              <c:f>Sheet1!$A$2:$A$8</c:f>
+              <c:strCache>
+                <c:ptCount val="7"/>
+                <c:pt idx="0">
+                  <c:v>0.20</c:v>
+                </c:pt>
+                <c:pt idx="1">
+                  <c:v>0.25</c:v>
+                </c:pt>
+                <c:pt idx="2">
+                  <c:v>0.30</c:v>
+                </c:pt>
+                <c:pt idx="3">
+                  <c:v>0.35</c:v>
+                </c:pt>
+                <c:pt idx="4">
+                  <c:v>0.40</c:v>
+                </c:pt>
+                <c:pt idx="5">
+                  <c:v>0.45</c:v>
+                </c:pt>
+                <c:pt idx="6">
+                  <c:v>0.50</c:v>
+                </c:pt>
+              </c:strCache>
+            </c:strRef>
+          </c:cat>
+          <c:val>
+            <c:numRef>
+              <c:f>Sheet1!$C$2:$C$8</c:f>
+              <c:numCache>
+                <c:formatCode>General</c:formatCode>
+                <c:ptCount val="7"/>
+                <c:pt idx="0">
+                  <c:v>0.37940000000000002</c:v>
+                </c:pt>
+                <c:pt idx="1">
+                  <c:v>0.63800000000000001</c:v>
+                </c:pt>
+                <c:pt idx="2">
+                  <c:v>0.874</c:v>
+                </c:pt>
+                <c:pt idx="3">
+                  <c:v>0.95020000000000004</c:v>
+                </c:pt>
+                <c:pt idx="4">
+                  <c:v>0.89790000000000003</c:v>
+                </c:pt>
+                <c:pt idx="5">
+                  <c:v>0.84050000000000002</c:v>
+                </c:pt>
+                <c:pt idx="6">
+                  <c:v>0.75629999999999997</c:v>
+                </c:pt>
+              </c:numCache>
+            </c:numRef>
+          </c:val>
+          <c:smooth val="0"/>
+          <c:extLst>
+            <c:ext xmlns:c16="http://schemas.microsoft.com/office/drawing/2014/chart" uri="{C3380CC4-5D6E-409C-BE32-E72D297353CC}">
+              <c16:uniqueId val="{00000001-8581-4F4E-947B-20FBFE95654E}"/>
+            </c:ext>
+          </c:extLst>
+        </c:ser>
+        <c:dLbls>
+          <c:showLegendKey val="0"/>
+          <c:showVal val="0"/>
+          <c:showCatName val="0"/>
+          <c:showSerName val="0"/>
+          <c:showPercent val="0"/>
+          <c:showBubbleSize val="0"/>
+        </c:dLbls>
+        <c:marker val="1"/>
+        <c:smooth val="0"/>
+        <c:axId val="2094734554"/>
+        <c:axId val="2094734552"/>
+      </c:lineChart>
+      <c:catAx>
+        <c:axId val="2094734554"/>
+        <c:scaling>
+          <c:orientation val="minMax"/>
+        </c:scaling>
+        <c:delete val="0"/>
+        <c:axPos val="b"/>
+        <c:title>
+          <c:tx>
+            <c:rich>
+              <a:bodyPr/>
+              <a:lstStyle/>
+              <a:p>
+                <a:pPr>
+                  <a:defRPr b="0" i="0" u="none" strike="noStrike">
+                    <a:solidFill>
+                      <a:srgbClr val="000000"/>
+                    </a:solidFill>
+                    <a:latin typeface="Arial"/>
+                  </a:defRPr>
+                </a:pPr>
+                <a:r>
+                  <a:rPr lang="en-US" b="0" i="0" u="none" strike="noStrike">
+                    <a:solidFill>
+                      <a:srgbClr val="000000"/>
+                    </a:solidFill>
+                    <a:latin typeface="Arial"/>
+                  </a:rPr>
+                  <a:t>p threshold fraction</a:t>
+                </a:r>
+              </a:p>
+            </c:rich>
+          </c:tx>
+          <c:overlay val="0"/>
+        </c:title>
+        <c:numFmt formatCode="General" sourceLinked="1"/>
+        <c:majorTickMark val="out"/>
+        <c:minorTickMark val="none"/>
+        <c:tickLblPos val="low"/>
+        <c:spPr>
+          <a:ln w="12700" cap="flat">
+            <a:solidFill>
+              <a:srgbClr val="888888"/>
+            </a:solidFill>
+            <a:prstDash val="solid"/>
+            <a:round/>
+          </a:ln>
+        </c:spPr>
+        <c:txPr>
+          <a:bodyPr/>
+          <a:lstStyle/>
+          <a:p>
+            <a:pPr>
+              <a:defRPr sz="1200" b="0" i="0" u="none" strike="noStrike">
+                <a:solidFill>
+                  <a:srgbClr val="030A18"/>
+                </a:solidFill>
+                <a:latin typeface="Arial"/>
+              </a:defRPr>
+            </a:pPr>
+            <a:endParaRPr lang="en-US"/>
+          </a:p>
+        </c:txPr>
+        <c:crossAx val="2094734552"/>
+        <c:crosses val="autoZero"/>
+        <c:auto val="1"/>
+        <c:lblAlgn val="ctr"/>
+        <c:lblOffset val="100"/>
+        <c:noMultiLvlLbl val="1"/>
+      </c:catAx>
+      <c:valAx>
+        <c:axId val="2094734552"/>
+        <c:scaling>
+          <c:orientation val="minMax"/>
+          <c:max val="1.05"/>
+          <c:min val="0"/>
+        </c:scaling>
+        <c:delete val="0"/>
+        <c:axPos val="l"/>
+        <c:majorGridlines>
+          <c:spPr>
+            <a:ln w="12700" cap="flat">
+              <a:solidFill>
+                <a:srgbClr val="888888"/>
+              </a:solidFill>
+              <a:prstDash val="solid"/>
+              <a:round/>
+            </a:ln>
+          </c:spPr>
+        </c:majorGridlines>
+        <c:title>
+          <c:tx>
+            <c:rich>
+              <a:bodyPr/>
+              <a:lstStyle/>
+              <a:p>
+                <a:pPr>
+                  <a:defRPr b="0" i="0" u="none" strike="noStrike">
+                    <a:solidFill>
+                      <a:srgbClr val="000000"/>
+                    </a:solidFill>
+                    <a:latin typeface="Arial"/>
+                  </a:defRPr>
+                </a:pPr>
+                <a:r>
+                  <a:rPr lang="en-US" b="0" i="0" u="none" strike="noStrike">
+                    <a:solidFill>
+                      <a:srgbClr val="000000"/>
+                    </a:solidFill>
+                    <a:latin typeface="Arial"/>
+                  </a:rPr>
+                  <a:t>Dice coefficient</a:t>
+                </a:r>
+              </a:p>
+            </c:rich>
+          </c:tx>
+          <c:overlay val="0"/>
+        </c:title>
+        <c:numFmt formatCode="General" sourceLinked="0"/>
+        <c:majorTickMark val="out"/>
+        <c:minorTickMark val="none"/>
+        <c:tickLblPos val="nextTo"/>
+        <c:spPr>
+          <a:ln w="12700" cap="flat">
+            <a:solidFill>
+              <a:srgbClr val="888888"/>
+            </a:solidFill>
+            <a:prstDash val="solid"/>
+            <a:round/>
+          </a:ln>
+        </c:spPr>
+        <c:txPr>
+          <a:bodyPr/>
+          <a:lstStyle/>
+          <a:p>
+            <a:pPr>
+              <a:defRPr sz="1200" b="0" i="0" u="none" strike="noStrike">
+                <a:solidFill>
+                  <a:srgbClr val="030A18"/>
+                </a:solidFill>
+                <a:latin typeface="Arial"/>
+              </a:defRPr>
+            </a:pPr>
+            <a:endParaRPr lang="en-US"/>
+          </a:p>
+        </c:txPr>
+        <c:crossAx val="2094734554"/>
+        <c:crosses val="autoZero"/>
+        <c:crossBetween val="between"/>
+        <c:majorUnit val="0.2"/>
+      </c:valAx>
+      <c:spPr>
+        <a:noFill/>
+        <a:ln>
+          <a:noFill/>
+        </a:ln>
+        <a:effectLst/>
+      </c:spPr>
+    </c:plotArea>
+    <c:legend>
+      <c:legendPos val="b"/>
+      <c:overlay val="0"/>
+    </c:legend>
+    <c:plotVisOnly val="1"/>
+    <c:dispBlanksAs val="span"/>
+    <c:showDLblsOverMax val="1"/>
+  </c:chart>
+  <c:spPr>
+    <a:noFill/>
+    <a:ln>
+      <a:noFill/>
+    </a:ln>
+    <a:effectLst/>
+  </c:spPr>
+  <c:externalData r:id="rId1">
+    <c:autoUpdate val="0"/>
+  </c:externalData>
+</c:chartSpace>
 </file>
 
 <file path=ppt/notesMasters/notesMaster1.xml><?xml version="1.0" encoding="utf-8"?>
@@ -135,234 +587,10 @@
           <a:chExt cx="0" cy="0"/>
         </a:xfrm>
       </p:grpSpPr>
-      <p:sp>
-        <p:nvSpPr>
-          <p:cNvPr id="2" name="Header Placeholder 1"/>
-          <p:cNvSpPr>
-            <a:spLocks noGrp="1"/>
-          </p:cNvSpPr>
-          <p:nvPr>
-            <p:ph type="hdr" sz="quarter"/>
-          </p:nvPr>
-        </p:nvSpPr>
-        <p:spPr>
-          <a:xfrm>
-            <a:off x="0" y="0"/>
-            <a:ext cx="2971800" cy="458788"/>
-          </a:xfrm>
-          <a:prstGeom prst="rect">
-            <a:avLst/>
-          </a:prstGeom>
-        </p:spPr>
-        <p:txBody>
-          <a:bodyPr vert="horz" lIns="91440" tIns="45720" rIns="91440" bIns="45720" rtlCol="0"/>
-          <a:lstStyle>
-            <a:lvl1pPr algn="l">
-              <a:defRPr sz="1200"/>
-            </a:lvl1pPr>
-          </a:lstStyle>
-          <a:p>
-            <a:endParaRPr lang="en-US"/>
-          </a:p>
-        </p:txBody>
-      </p:sp>
-      <p:sp>
-        <p:nvSpPr>
-          <p:cNvPr id="3" name="Date Placeholder 2"/>
-          <p:cNvSpPr>
-            <a:spLocks noGrp="1"/>
-          </p:cNvSpPr>
-          <p:nvPr>
-            <p:ph type="dt" idx="1"/>
-          </p:nvPr>
-        </p:nvSpPr>
-        <p:spPr>
-          <a:xfrm>
-            <a:off x="3884613" y="0"/>
-            <a:ext cx="2971800" cy="458788"/>
-          </a:xfrm>
-          <a:prstGeom prst="rect">
-            <a:avLst/>
-          </a:prstGeom>
-        </p:spPr>
-        <p:txBody>
-          <a:bodyPr vert="horz" lIns="91440" tIns="45720" rIns="91440" bIns="45720" rtlCol="0"/>
-          <a:lstStyle>
-            <a:lvl1pPr algn="r">
-              <a:defRPr sz="1200"/>
-            </a:lvl1pPr>
-          </a:lstStyle>
-          <a:p>
-            <a:fld id="{5282F153-3F37-0F45-9E97-73ACFA13230C}" type="datetimeFigureOut">
-              <a:rPr lang="en-US"/>
-              <a:t>7/23/19</a:t>
-            </a:fld>
-            <a:endParaRPr lang="en-US"/>
-          </a:p>
-        </p:txBody>
-      </p:sp>
-      <p:sp>
-        <p:nvSpPr>
-          <p:cNvPr id="4" name="Slide Image Placeholder 3"/>
-          <p:cNvSpPr>
-            <a:spLocks noGrp="1" noRot="1" noChangeAspect="1"/>
-          </p:cNvSpPr>
-          <p:nvPr>
-            <p:ph type="sldImg" idx="2"/>
-          </p:nvPr>
-        </p:nvSpPr>
-        <p:spPr>
-          <a:xfrm>
-            <a:off x="685800" y="1143000"/>
-            <a:ext cx="5486400" cy="3086100"/>
-          </a:xfrm>
-          <a:prstGeom prst="rect">
-            <a:avLst/>
-          </a:prstGeom>
-          <a:noFill/>
-          <a:ln w="12700">
-            <a:solidFill>
-              <a:prstClr val="black"/>
-            </a:solidFill>
-          </a:ln>
-        </p:spPr>
-        <p:txBody>
-          <a:bodyPr vert="horz" lIns="91440" tIns="45720" rIns="91440" bIns="45720" rtlCol="0" anchor="ctr"/>
-          <a:lstStyle/>
-          <a:p>
-            <a:endParaRPr lang="en-US"/>
-          </a:p>
-        </p:txBody>
-      </p:sp>
-      <p:sp>
-        <p:nvSpPr>
-          <p:cNvPr id="5" name="Notes Placeholder 4"/>
-          <p:cNvSpPr>
-            <a:spLocks noGrp="1"/>
-          </p:cNvSpPr>
-          <p:nvPr>
-            <p:ph type="body" sz="quarter" idx="3"/>
-          </p:nvPr>
-        </p:nvSpPr>
-        <p:spPr>
-          <a:xfrm>
-            <a:off x="685800" y="4400550"/>
-            <a:ext cx="5486400" cy="3600450"/>
-          </a:xfrm>
-          <a:prstGeom prst="rect">
-            <a:avLst/>
-          </a:prstGeom>
-        </p:spPr>
-        <p:txBody>
-          <a:bodyPr vert="horz" lIns="91440" tIns="45720" rIns="91440" bIns="45720" rtlCol="0"/>
-          <a:lstStyle/>
-          <a:p>
-            <a:pPr lvl="0"/>
-            <a:r>
-              <a:rPr lang="en-US"/>
-              <a:t>Click to edit Master text styles</a:t>
-            </a:r>
-          </a:p>
-          <a:p>
-            <a:pPr lvl="1"/>
-            <a:r>
-              <a:rPr lang="en-US"/>
-              <a:t>Second level</a:t>
-            </a:r>
-          </a:p>
-          <a:p>
-            <a:pPr lvl="2"/>
-            <a:r>
-              <a:rPr lang="en-US"/>
-              <a:t>Third level</a:t>
-            </a:r>
-          </a:p>
-          <a:p>
-            <a:pPr lvl="3"/>
-            <a:r>
-              <a:rPr lang="en-US"/>
-              <a:t>Fourth level</a:t>
-            </a:r>
-          </a:p>
-          <a:p>
-            <a:pPr lvl="4"/>
-            <a:r>
-              <a:rPr lang="en-US"/>
-              <a:t>Fifth level</a:t>
-            </a:r>
-          </a:p>
-        </p:txBody>
-      </p:sp>
-      <p:sp>
-        <p:nvSpPr>
-          <p:cNvPr id="6" name="Footer Placeholder 5"/>
-          <p:cNvSpPr>
-            <a:spLocks noGrp="1"/>
-          </p:cNvSpPr>
-          <p:nvPr>
-            <p:ph type="ftr" sz="quarter" idx="4"/>
-          </p:nvPr>
-        </p:nvSpPr>
-        <p:spPr>
-          <a:xfrm>
-            <a:off x="0" y="8685213"/>
-            <a:ext cx="2971800" cy="458787"/>
-          </a:xfrm>
-          <a:prstGeom prst="rect">
-            <a:avLst/>
-          </a:prstGeom>
-        </p:spPr>
-        <p:txBody>
-          <a:bodyPr vert="horz" lIns="91440" tIns="45720" rIns="91440" bIns="45720" rtlCol="0" anchor="b"/>
-          <a:lstStyle>
-            <a:lvl1pPr algn="l">
-              <a:defRPr sz="1200"/>
-            </a:lvl1pPr>
-          </a:lstStyle>
-          <a:p>
-            <a:endParaRPr lang="en-US"/>
-          </a:p>
-        </p:txBody>
-      </p:sp>
-      <p:sp>
-        <p:nvSpPr>
-          <p:cNvPr id="7" name="Slide Number Placeholder 6"/>
-          <p:cNvSpPr>
-            <a:spLocks noGrp="1"/>
-          </p:cNvSpPr>
-          <p:nvPr>
-            <p:ph type="sldNum" sz="quarter" idx="5"/>
-          </p:nvPr>
-        </p:nvSpPr>
-        <p:spPr>
-          <a:xfrm>
-            <a:off x="3884613" y="8685213"/>
-            <a:ext cx="2971800" cy="458787"/>
-          </a:xfrm>
-          <a:prstGeom prst="rect">
-            <a:avLst/>
-          </a:prstGeom>
-        </p:spPr>
-        <p:txBody>
-          <a:bodyPr vert="horz" lIns="91440" tIns="45720" rIns="91440" bIns="45720" rtlCol="0" anchor="b"/>
-          <a:lstStyle>
-            <a:lvl1pPr algn="r">
-              <a:defRPr sz="1200"/>
-            </a:lvl1pPr>
-          </a:lstStyle>
-          <a:p>
-            <a:fld id="{CE5E9CC1-C706-0F49-92D6-E571CC5EEA8F}" type="slidenum">
-              <a:rPr lang="en-US"/>
-              <a:t>‹#›</a:t>
-            </a:fld>
-            <a:endParaRPr lang="en-US"/>
-          </a:p>
-        </p:txBody>
-      </p:sp>
     </p:spTree>
     <p:extLst>
       <p:ext uri="{BB962C8B-B14F-4D97-AF65-F5344CB8AC3E}">
-        <p14:creationId xmlns:p14="http://schemas.microsoft.com/office/powerpoint/2010/main" val="1024086991"/>
+        <p14:creationId xmlns:p14="http://schemas.microsoft.com/office/powerpoint/2010/main" val="1108996847"/>
       </p:ext>
     </p:extLst>
   </p:cSld>
@@ -492,7 +720,10 @@
         <p:spPr/>
         <p:txBody>
           <a:bodyPr/>
-          <a:p/>
+          <a:lstStyle/>
+          <a:p>
+            <a:endParaRPr/>
+          </a:p>
         </p:txBody>
       </p:sp>
       <p:sp>
@@ -510,10 +741,6 @@
           <a:bodyPr/>
           <a:lstStyle/>
           <a:p>
-            <a:r>
-              <a:rPr lang="en-US" dirty="0"/>
-              <a:t/>
-            </a:r>
             <a:endParaRPr lang="en-US" dirty="0"/>
           </a:p>
         </p:txBody>
@@ -584,7 +811,10 @@
         <p:spPr/>
         <p:txBody>
           <a:bodyPr/>
-          <a:p/>
+          <a:lstStyle/>
+          <a:p>
+            <a:endParaRPr/>
+          </a:p>
         </p:txBody>
       </p:sp>
       <p:sp>
@@ -602,10 +832,6 @@
           <a:bodyPr/>
           <a:lstStyle/>
           <a:p>
-            <a:r>
-              <a:rPr lang="en-US" dirty="0"/>
-              <a:t/>
-            </a:r>
             <a:endParaRPr lang="en-US" dirty="0"/>
           </a:p>
         </p:txBody>
@@ -676,7 +902,10 @@
         <p:spPr/>
         <p:txBody>
           <a:bodyPr/>
-          <a:p/>
+          <a:lstStyle/>
+          <a:p>
+            <a:endParaRPr/>
+          </a:p>
         </p:txBody>
       </p:sp>
       <p:sp>
@@ -694,10 +923,6 @@
           <a:bodyPr/>
           <a:lstStyle/>
           <a:p>
-            <a:r>
-              <a:rPr lang="en-US" dirty="0"/>
-              <a:t/>
-            </a:r>
             <a:endParaRPr lang="en-US" dirty="0"/>
           </a:p>
         </p:txBody>
@@ -768,7 +993,10 @@
         <p:spPr/>
         <p:txBody>
           <a:bodyPr/>
-          <a:p/>
+          <a:lstStyle/>
+          <a:p>
+            <a:endParaRPr/>
+          </a:p>
         </p:txBody>
       </p:sp>
       <p:sp>
@@ -786,10 +1014,6 @@
           <a:bodyPr/>
           <a:lstStyle/>
           <a:p>
-            <a:r>
-              <a:rPr lang="en-US" dirty="0"/>
-              <a:t/>
-            </a:r>
             <a:endParaRPr lang="en-US" dirty="0"/>
           </a:p>
         </p:txBody>
@@ -860,7 +1084,10 @@
         <p:spPr/>
         <p:txBody>
           <a:bodyPr/>
-          <a:p/>
+          <a:lstStyle/>
+          <a:p>
+            <a:endParaRPr/>
+          </a:p>
         </p:txBody>
       </p:sp>
       <p:sp>
@@ -878,10 +1105,6 @@
           <a:bodyPr/>
           <a:lstStyle/>
           <a:p>
-            <a:r>
-              <a:rPr lang="en-US" dirty="0"/>
-              <a:t/>
-            </a:r>
             <a:endParaRPr lang="en-US" dirty="0"/>
           </a:p>
         </p:txBody>
@@ -952,7 +1175,10 @@
         <p:spPr/>
         <p:txBody>
           <a:bodyPr/>
-          <a:p/>
+          <a:lstStyle/>
+          <a:p>
+            <a:endParaRPr/>
+          </a:p>
         </p:txBody>
       </p:sp>
       <p:sp>
@@ -970,10 +1196,6 @@
           <a:bodyPr/>
           <a:lstStyle/>
           <a:p>
-            <a:r>
-              <a:rPr lang="en-US" dirty="0"/>
-              <a:t/>
-            </a:r>
             <a:endParaRPr lang="en-US" dirty="0"/>
           </a:p>
         </p:txBody>
@@ -996,98 +1218,6 @@
             <a:fld id="{F7021451-1387-4CA6-816F-3879F97B5CBC}" type="slidenum">
               <a:rPr lang="en-US"/>
               <a:t>6</a:t>
-            </a:fld>
-            <a:endParaRPr lang="en-US"/>
-          </a:p>
-        </p:txBody>
-      </p:sp>
-    </p:spTree>
-    <p:extLst>
-      <p:ext uri="{BB962C8B-B14F-4D97-AF65-F5344CB8AC3E}">
-        <p14:creationId xmlns:p14="http://schemas.microsoft.com/office/powerpoint/2010/main" val="1024086991"/>
-      </p:ext>
-    </p:extLst>
-  </p:cSld>
-  <p:clrMapOvr>
-    <a:masterClrMapping/>
-  </p:clrMapOvr>
-</p:notes>
-</file>
-
-<file path=ppt/notesSlides/notesSlide7.xml><?xml version="1.0" encoding="utf-8"?>
-<p:notes xmlns:a="http://schemas.openxmlformats.org/drawingml/2006/main" xmlns:r="http://schemas.openxmlformats.org/officeDocument/2006/relationships" xmlns:p="http://schemas.openxmlformats.org/presentationml/2006/main">
-  <p:cSld>
-    <p:spTree>
-      <p:nvGrpSpPr>
-        <p:cNvPr id="1" name=""/>
-        <p:cNvGrpSpPr/>
-        <p:nvPr/>
-      </p:nvGrpSpPr>
-      <p:grpSpPr>
-        <a:xfrm>
-          <a:off x="0" y="0"/>
-          <a:ext cx="0" cy="0"/>
-          <a:chOff x="0" y="0"/>
-          <a:chExt cx="0" cy="0"/>
-        </a:xfrm>
-      </p:grpSpPr>
-      <p:sp>
-        <p:nvSpPr>
-          <p:cNvPr id="2" name="Slide Image Placeholder 1"/>
-          <p:cNvSpPr>
-            <a:spLocks noGrp="1" noRot="1" noChangeAspect="1"/>
-          </p:cNvSpPr>
-          <p:nvPr>
-            <p:ph type="sldImg"/>
-          </p:nvPr>
-        </p:nvSpPr>
-        <p:spPr/>
-        <p:txBody>
-          <a:bodyPr/>
-          <a:p/>
-        </p:txBody>
-      </p:sp>
-      <p:sp>
-        <p:nvSpPr>
-          <p:cNvPr id="3" name="Notes Placeholder 2"/>
-          <p:cNvSpPr>
-            <a:spLocks noGrp="1"/>
-          </p:cNvSpPr>
-          <p:nvPr>
-            <p:ph type="body" idx="1"/>
-          </p:nvPr>
-        </p:nvSpPr>
-        <p:spPr/>
-        <p:txBody>
-          <a:bodyPr/>
-          <a:lstStyle/>
-          <a:p>
-            <a:r>
-              <a:rPr lang="en-US" dirty="0"/>
-              <a:t/>
-            </a:r>
-            <a:endParaRPr lang="en-US" dirty="0"/>
-          </a:p>
-        </p:txBody>
-      </p:sp>
-      <p:sp>
-        <p:nvSpPr>
-          <p:cNvPr id="4" name="Slide Number Placeholder 3"/>
-          <p:cNvSpPr>
-            <a:spLocks noGrp="1"/>
-          </p:cNvSpPr>
-          <p:nvPr>
-            <p:ph type="sldNum" sz="quarter" idx="10"/>
-          </p:nvPr>
-        </p:nvSpPr>
-        <p:spPr/>
-        <p:txBody>
-          <a:bodyPr/>
-          <a:lstStyle/>
-          <a:p>
-            <a:fld id="{F7021451-1387-4CA6-816F-3879F97B5CBC}" type="slidenum">
-              <a:rPr lang="en-US"/>
-              <a:t>7</a:t>
             </a:fld>
             <a:endParaRPr lang="en-US"/>
           </a:p>
@@ -1139,6 +1269,11 @@
 <file path=ppt/slideMasters/slideMaster1.xml><?xml version="1.0" encoding="utf-8"?>
 <p:sldMaster xmlns:a="http://schemas.openxmlformats.org/drawingml/2006/main" xmlns:r="http://schemas.openxmlformats.org/officeDocument/2006/relationships" xmlns:p="http://schemas.openxmlformats.org/presentationml/2006/main">
   <p:cSld>
+    <p:bg>
+      <p:bgRef idx="1001">
+        <a:schemeClr val="bg1"/>
+      </p:bgRef>
+    </p:bg>
     <p:spTree>
       <p:nvGrpSpPr>
         <p:cNvPr id="1" name=""/>
@@ -1421,6 +1556,7 @@
         <a:solidFill>
           <a:srgbClr val="FFFFFF"/>
         </a:solidFill>
+        <a:effectLst/>
       </p:bgPr>
     </p:bg>
     <p:spTree>
@@ -1439,21 +1575,21 @@
       </p:grpSpPr>
       <p:pic>
         <p:nvPicPr>
-          <p:cNvPr id="2" name="Image 0" descr="/home/oai/share/6abd697e-4cb0-4de1-9f18-a29a92a9e6c1.png">    </p:cNvPr>
+          <p:cNvPr id="2" name="Image 0" descr="preencoded.png"/>
           <p:cNvPicPr>
             <a:picLocks noChangeAspect="1"/>
           </p:cNvPicPr>
           <p:nvPr/>
         </p:nvPicPr>
         <p:blipFill>
-          <a:blip r:embed="rId1"/>
-          <a:srcRect l="11905" r="11905" t="0" b="0"/>
+          <a:blip r:embed="rId3"/>
+          <a:srcRect/>
           <a:stretch/>
         </p:blipFill>
         <p:spPr>
           <a:xfrm>
-            <a:off x="5029200" y="1028700"/>
-            <a:ext cx="4114800" cy="3600450"/>
+            <a:off x="5029200" y="514350"/>
+            <a:ext cx="4114800" cy="4114800"/>
           </a:xfrm>
           <a:prstGeom prst="rect">
             <a:avLst/>
@@ -1468,8 +1604,8 @@
         </p:nvSpPr>
         <p:spPr>
           <a:xfrm>
-            <a:off x="274320" y="1828800"/>
-            <a:ext cx="5029200" cy="1828800"/>
+            <a:off x="274320" y="1463040"/>
+            <a:ext cx="4572000" cy="685800"/>
           </a:xfrm>
           <a:prstGeom prst="rect">
             <a:avLst/>
@@ -1481,7 +1617,7 @@
           <a:bodyPr wrap="square" rtlCol="0" anchor="ctr"/>
           <a:lstStyle/>
           <a:p>
-            <a:pPr algn="l" indent="0" marL="0">
+            <a:pPr marL="0" indent="0">
               <a:buNone/>
             </a:pPr>
             <a:r>
@@ -1493,33 +1629,7 @@
                 <a:ea typeface="Arial" pitchFamily="34" charset="-122"/>
                 <a:cs typeface="Arial" pitchFamily="34" charset="-120"/>
               </a:rPr>
-              <a:t>Threshold‑Based Tumor Segmentation</a:t>
-            </a:r>
-            <a:pPr algn="l" indent="0" marL="0">
-              <a:buNone/>
-            </a:pPr>
-            <a:r>
-              <a:rPr lang="en-US" sz="3600" dirty="0">
-                <a:solidFill>
-                  <a:srgbClr val="000000"/>
-                </a:solidFill>
-              </a:rPr>
-              <a:t>
-</a:t>
-            </a:r>
-            <a:pPr algn="l" indent="0" marL="0">
-              <a:buNone/>
-            </a:pPr>
-            <a:r>
-              <a:rPr lang="en-US" sz="1400" dirty="0">
-                <a:solidFill>
-                  <a:srgbClr val="97B1DF"/>
-                </a:solidFill>
-                <a:latin typeface="Arial" pitchFamily="34" charset="0"/>
-                <a:ea typeface="Arial" pitchFamily="34" charset="-122"/>
-                <a:cs typeface="Arial" pitchFamily="34" charset="-120"/>
-              </a:rPr>
-              <a:t>Analysis of Threshold Percentage vs Dice Coefficient</a:t>
+              <a:t>Traditional Tumour Segmentation</a:t>
             </a:r>
             <a:endParaRPr lang="en-US" sz="3600" dirty="0"/>
           </a:p>
@@ -1533,8 +1643,8 @@
         </p:nvSpPr>
         <p:spPr>
           <a:xfrm>
-            <a:off x="274320" y="4389120"/>
-            <a:ext cx="3657600" cy="365760"/>
+            <a:off x="274320" y="2377440"/>
+            <a:ext cx="5029200" cy="350520"/>
           </a:xfrm>
           <a:prstGeom prst="rect">
             <a:avLst/>
@@ -1546,19 +1656,58 @@
           <a:bodyPr wrap="square" rtlCol="0" anchor="ctr"/>
           <a:lstStyle/>
           <a:p>
-            <a:pPr indent="0" marL="0">
+            <a:pPr marL="0" indent="0">
               <a:buNone/>
             </a:pPr>
             <a:r>
-              <a:rPr lang="en-US" sz="1200" dirty="0">
-                <a:solidFill>
-                  <a:srgbClr val="A4B6B8"/>
+              <a:rPr lang="en-US" sz="1400" i="1" dirty="0">
+                <a:solidFill>
+                  <a:srgbClr val="4F81BD"/>
                 </a:solidFill>
                 <a:latin typeface="Arial" pitchFamily="34" charset="0"/>
                 <a:ea typeface="Arial" pitchFamily="34" charset="-122"/>
                 <a:cs typeface="Arial" pitchFamily="34" charset="-120"/>
               </a:rPr>
-              <a:t>August 20, 2025</a:t>
+              <a:t>Global &amp; ROI Thresholding and Otsu Methods</a:t>
+            </a:r>
+            <a:endParaRPr lang="en-US" sz="1400" dirty="0"/>
+          </a:p>
+        </p:txBody>
+      </p:sp>
+      <p:sp>
+        <p:nvSpPr>
+          <p:cNvPr id="5" name="Text 2"/>
+          <p:cNvSpPr/>
+          <p:nvPr/>
+        </p:nvSpPr>
+        <p:spPr>
+          <a:xfrm>
+            <a:off x="274320" y="4686300"/>
+            <a:ext cx="4114800" cy="320040"/>
+          </a:xfrm>
+          <a:prstGeom prst="rect">
+            <a:avLst/>
+          </a:prstGeom>
+          <a:noFill/>
+          <a:ln/>
+        </p:spPr>
+        <p:txBody>
+          <a:bodyPr wrap="square" rtlCol="0" anchor="ctr"/>
+          <a:lstStyle/>
+          <a:p>
+            <a:pPr marL="0" indent="0">
+              <a:buNone/>
+            </a:pPr>
+            <a:r>
+              <a:rPr lang="en-US" sz="1200" dirty="0">
+                <a:solidFill>
+                  <a:srgbClr val="030A18"/>
+                </a:solidFill>
+                <a:latin typeface="Arial" pitchFamily="34" charset="0"/>
+                <a:ea typeface="Arial" pitchFamily="34" charset="-122"/>
+                <a:cs typeface="Arial" pitchFamily="34" charset="-120"/>
+              </a:rPr>
+              <a:t>Date: August 21, 2025</a:t>
             </a:r>
             <a:endParaRPr lang="en-US" sz="1200" dirty="0"/>
           </a:p>
@@ -1580,6 +1729,7 @@
         <a:solidFill>
           <a:srgbClr val="FFFFFF"/>
         </a:solidFill>
+        <a:effectLst/>
       </p:bgPr>
     </p:bg>
     <p:spTree>
@@ -1617,7 +1767,7 @@
           <a:bodyPr wrap="square" rtlCol="0" anchor="ctr"/>
           <a:lstStyle/>
           <a:p>
-            <a:pPr indent="0" marL="0">
+            <a:pPr marL="0" indent="0">
               <a:buNone/>
             </a:pPr>
             <a:r>
@@ -1629,7 +1779,7 @@
                 <a:ea typeface="Arial" pitchFamily="34" charset="-122"/>
                 <a:cs typeface="Arial" pitchFamily="34" charset="-120"/>
               </a:rPr>
-              <a:t>Outline</a:t>
+              <a:t>Agenda</a:t>
             </a:r>
             <a:endParaRPr lang="en-US" sz="2400" dirty="0"/>
           </a:p>
@@ -1643,8 +1793,8 @@
         </p:nvSpPr>
         <p:spPr>
           <a:xfrm>
-            <a:off x="548640" y="1463040"/>
-            <a:ext cx="7772400" cy="3200400"/>
+            <a:off x="731520" y="1280160"/>
+            <a:ext cx="6858000" cy="2743200"/>
           </a:xfrm>
           <a:prstGeom prst="rect">
             <a:avLst/>
@@ -1653,97 +1803,97 @@
           <a:ln/>
         </p:spPr>
         <p:txBody>
-          <a:bodyPr wrap="square" rtlCol="0" anchor="ctr"/>
+          <a:bodyPr wrap="square" rtlCol="0" anchor="t"/>
           <a:lstStyle/>
           <a:p>
             <a:pPr marL="190500" indent="-190500">
-              <a:spcAft>
-                <a:spcPts val="360"/>
-              </a:spcAft>
               <a:buSzPct val="100000"/>
               <a:buChar char="•"/>
             </a:pPr>
             <a:r>
-              <a:rPr lang="en-US" sz="1300" dirty="0">
+              <a:rPr lang="en-US" sz="1400" dirty="0">
                 <a:solidFill>
                   <a:srgbClr val="030A18"/>
                 </a:solidFill>
-              </a:rPr>
-              <a:t>Introduction to threshold segmentation</a:t>
-            </a:r>
-            <a:endParaRPr lang="en-US" sz="1300" dirty="0"/>
+                <a:latin typeface="Arial" pitchFamily="34" charset="0"/>
+                <a:ea typeface="Arial" pitchFamily="34" charset="-122"/>
+                <a:cs typeface="Arial" pitchFamily="34" charset="-120"/>
+              </a:rPr>
+              <a:t>Introduction &amp; Objectives</a:t>
+            </a:r>
+            <a:endParaRPr lang="en-US" sz="1400" dirty="0"/>
           </a:p>
           <a:p>
             <a:pPr marL="190500" indent="-190500">
-              <a:spcAft>
-                <a:spcPts val="360"/>
-              </a:spcAft>
               <a:buSzPct val="100000"/>
               <a:buChar char="•"/>
             </a:pPr>
             <a:r>
-              <a:rPr lang="en-US" sz="1300" dirty="0">
+              <a:rPr lang="en-US" sz="1400" dirty="0">
                 <a:solidFill>
                   <a:srgbClr val="030A18"/>
                 </a:solidFill>
-              </a:rPr>
-              <a:t>Methodology &amp; synthetic data generation</a:t>
-            </a:r>
-            <a:endParaRPr lang="en-US" sz="1300" dirty="0"/>
+                <a:latin typeface="Arial" pitchFamily="34" charset="0"/>
+                <a:ea typeface="Arial" pitchFamily="34" charset="-122"/>
+                <a:cs typeface="Arial" pitchFamily="34" charset="-120"/>
+              </a:rPr>
+              <a:t>Segmentation Methodology</a:t>
+            </a:r>
+            <a:endParaRPr lang="en-US" sz="1400" dirty="0"/>
           </a:p>
           <a:p>
             <a:pPr marL="190500" indent="-190500">
-              <a:spcAft>
-                <a:spcPts val="360"/>
-              </a:spcAft>
               <a:buSzPct val="100000"/>
               <a:buChar char="•"/>
             </a:pPr>
             <a:r>
-              <a:rPr lang="en-US" sz="1300" dirty="0">
+              <a:rPr lang="en-US" sz="1400" dirty="0">
                 <a:solidFill>
                   <a:srgbClr val="030A18"/>
                 </a:solidFill>
-              </a:rPr>
-              <a:t>Results: Dice vs threshold</a:t>
-            </a:r>
-            <a:endParaRPr lang="en-US" sz="1300" dirty="0"/>
+                <a:latin typeface="Arial" pitchFamily="34" charset="0"/>
+                <a:ea typeface="Arial" pitchFamily="34" charset="-122"/>
+                <a:cs typeface="Arial" pitchFamily="34" charset="-120"/>
+              </a:rPr>
+              <a:t>Data &amp; Pre‑processing</a:t>
+            </a:r>
+            <a:endParaRPr lang="en-US" sz="1400" dirty="0"/>
           </a:p>
           <a:p>
             <a:pPr marL="190500" indent="-190500">
-              <a:spcAft>
-                <a:spcPts val="360"/>
-              </a:spcAft>
               <a:buSzPct val="100000"/>
               <a:buChar char="•"/>
             </a:pPr>
             <a:r>
-              <a:rPr lang="en-US" sz="1300" dirty="0">
+              <a:rPr lang="en-US" sz="1400" dirty="0">
                 <a:solidFill>
                   <a:srgbClr val="030A18"/>
                 </a:solidFill>
-              </a:rPr>
-              <a:t>ROI‑guided vs global threshold</a:t>
-            </a:r>
-            <a:endParaRPr lang="en-US" sz="1300" dirty="0"/>
+                <a:latin typeface="Arial" pitchFamily="34" charset="0"/>
+                <a:ea typeface="Arial" pitchFamily="34" charset="-122"/>
+                <a:cs typeface="Arial" pitchFamily="34" charset="-120"/>
+              </a:rPr>
+              <a:t>Results &amp; Performance</a:t>
+            </a:r>
+            <a:endParaRPr lang="en-US" sz="1400" dirty="0"/>
           </a:p>
           <a:p>
             <a:pPr marL="190500" indent="-190500">
-              <a:spcAft>
-                <a:spcPts val="360"/>
-              </a:spcAft>
               <a:buSzPct val="100000"/>
               <a:buChar char="•"/>
             </a:pPr>
             <a:r>
-              <a:rPr lang="en-US" sz="1300" dirty="0">
+              <a:rPr lang="en-US" sz="1400" dirty="0">
                 <a:solidFill>
                   <a:srgbClr val="030A18"/>
                 </a:solidFill>
-              </a:rPr>
-              <a:t>Conclusions &amp; reporting recommendations</a:t>
-            </a:r>
-            <a:endParaRPr lang="en-US" sz="1300" dirty="0"/>
+                <a:latin typeface="Arial" pitchFamily="34" charset="0"/>
+                <a:ea typeface="Arial" pitchFamily="34" charset="-122"/>
+                <a:cs typeface="Arial" pitchFamily="34" charset="-120"/>
+              </a:rPr>
+              <a:t>Discussion &amp; Conclusions</a:t>
+            </a:r>
+            <a:endParaRPr lang="en-US" sz="1400" dirty="0"/>
           </a:p>
         </p:txBody>
       </p:sp>
@@ -1763,6 +1913,7 @@
         <a:solidFill>
           <a:srgbClr val="FFFFFF"/>
         </a:solidFill>
+        <a:effectLst/>
       </p:bgPr>
     </p:bg>
     <p:spTree>
@@ -1800,7 +1951,7 @@
           <a:bodyPr wrap="square" rtlCol="0" anchor="ctr"/>
           <a:lstStyle/>
           <a:p>
-            <a:pPr indent="0" marL="0">
+            <a:pPr marL="0" indent="0">
               <a:buNone/>
             </a:pPr>
             <a:r>
@@ -1812,7 +1963,7 @@
                 <a:ea typeface="Arial" pitchFamily="34" charset="-122"/>
                 <a:cs typeface="Arial" pitchFamily="34" charset="-120"/>
               </a:rPr>
-              <a:t>Introduction</a:t>
+              <a:t>Segmentation Methodology</a:t>
             </a:r>
             <a:endParaRPr lang="en-US" sz="2400" dirty="0"/>
           </a:p>
@@ -1820,14 +1971,48 @@
       </p:sp>
       <p:sp>
         <p:nvSpPr>
-          <p:cNvPr id="3" name="Text 1"/>
+          <p:cNvPr id="3" name="Shape 1"/>
           <p:cNvSpPr/>
           <p:nvPr/>
         </p:nvSpPr>
         <p:spPr>
           <a:xfrm>
-            <a:off x="457200" y="1188720"/>
-            <a:ext cx="8229600" cy="3200400"/>
+            <a:off x="274320" y="1188720"/>
+            <a:ext cx="2560320" cy="3200400"/>
+          </a:xfrm>
+          <a:prstGeom prst="roundRect">
+            <a:avLst>
+              <a:gd name="adj" fmla="val 2857"/>
+            </a:avLst>
+          </a:prstGeom>
+          <a:solidFill>
+            <a:srgbClr val="F7F7F7"/>
+          </a:solidFill>
+          <a:ln w="12700">
+            <a:solidFill>
+              <a:srgbClr val="4F81BD"/>
+            </a:solidFill>
+            <a:prstDash val="solid"/>
+          </a:ln>
+        </p:spPr>
+        <p:txBody>
+          <a:bodyPr/>
+          <a:lstStyle/>
+          <a:p>
+            <a:endParaRPr/>
+          </a:p>
+        </p:txBody>
+      </p:sp>
+      <p:sp>
+        <p:nvSpPr>
+          <p:cNvPr id="4" name="Text 2"/>
+          <p:cNvSpPr/>
+          <p:nvPr/>
+        </p:nvSpPr>
+        <p:spPr>
+          <a:xfrm>
+            <a:off x="365760" y="1325880"/>
+            <a:ext cx="2377440" cy="457200"/>
           </a:xfrm>
           <a:prstGeom prst="rect">
             <a:avLst/>
@@ -1839,69 +2024,34 @@
           <a:bodyPr wrap="square" rtlCol="0" anchor="ctr"/>
           <a:lstStyle/>
           <a:p>
-            <a:pPr indent="0" marL="0">
+            <a:pPr marL="0" indent="0">
               <a:buNone/>
             </a:pPr>
             <a:r>
-              <a:rPr lang="en-US" sz="1600" b="1" dirty="0">
-                <a:solidFill>
-                  <a:srgbClr val="030A18"/>
-                </a:solidFill>
-              </a:rPr>
-              <a:t>
-Threshold segmentation
-</a:t>
-            </a:r>
-            <a:pPr indent="0" marL="0">
-              <a:buNone/>
-            </a:pPr>
-            <a:r>
-              <a:rPr lang="en-US" sz="1200" dirty="0">
-                <a:solidFill>
-                  <a:srgbClr val="030A18"/>
-                </a:solidFill>
-              </a:rPr>
-              <a:t>Positron Emission Tomography (PET) images quantify radiotracer uptake. A simple yet popular way to delineate tumors is to threshold voxels by a fraction of the maximum intensity.
-</a:t>
-            </a:r>
-            <a:pPr indent="0" marL="0">
-              <a:buNone/>
-            </a:pPr>
-            <a:r>
-              <a:rPr lang="en-US" sz="1200" dirty="0">
-                <a:solidFill>
-                  <a:srgbClr val="030A18"/>
-                </a:solidFill>
-              </a:rPr>
-              <a:t>Let Imax denote the highest intensity within the image. A global threshold p ∈ [0,1] scales this value so that all voxels with I(x) ≥ p·Imax are considered tumour. The code defines Imax and computes a binary mask at p = 0.42 in the example scripts.
-</a:t>
-            </a:r>
-            <a:pPr indent="0" marL="0">
-              <a:buNone/>
-            </a:pPr>
-            <a:r>
-              <a:rPr lang="en-US" sz="1200" dirty="0">
-                <a:solidFill>
-                  <a:srgbClr val="030A18"/>
-                </a:solidFill>
-              </a:rPr>
-              <a:t>Segmentation quality is commonly assessed by the Dice coefficient: 2|A ∩ B| / (|A|+|B|). A value of 1 indicates perfect overlap, and lower values indicate under‑ or over‑segmentation.
-</a:t>
-            </a:r>
-            <a:endParaRPr lang="en-US" sz="1600" dirty="0"/>
+              <a:rPr lang="en-US" sz="1800" b="1" dirty="0">
+                <a:solidFill>
+                  <a:srgbClr val="4F81BD"/>
+                </a:solidFill>
+                <a:latin typeface="Arial" pitchFamily="34" charset="0"/>
+                <a:ea typeface="Arial" pitchFamily="34" charset="-122"/>
+                <a:cs typeface="Arial" pitchFamily="34" charset="-120"/>
+              </a:rPr>
+              <a:t>Global Threshold</a:t>
+            </a:r>
+            <a:endParaRPr lang="en-US" sz="1800" dirty="0"/>
           </a:p>
         </p:txBody>
       </p:sp>
       <p:sp>
         <p:nvSpPr>
-          <p:cNvPr id="4" name="Text 2"/>
+          <p:cNvPr id="5" name="Text 3"/>
           <p:cNvSpPr/>
           <p:nvPr/>
         </p:nvSpPr>
         <p:spPr>
           <a:xfrm>
-            <a:off x="457200" y="4777740"/>
-            <a:ext cx="3657600" cy="228600"/>
+            <a:off x="365760" y="1737360"/>
+            <a:ext cx="2377440" cy="1097280"/>
           </a:xfrm>
           <a:prstGeom prst="rect">
             <a:avLst/>
@@ -1913,40 +2063,518 @@
           <a:bodyPr wrap="square" rtlCol="0" anchor="ctr"/>
           <a:lstStyle/>
           <a:p>
-            <a:pPr indent="0" marL="0">
+            <a:pPr marL="0" indent="0">
               <a:buNone/>
             </a:pPr>
             <a:r>
-              <a:rPr lang="en-US" sz="600" u="sng" dirty="0">
-                <a:solidFill>
-                  <a:srgbClr val="A4B6B8"/>
-                </a:solidFill>
-                <a:hlinkClick r:id="rId1"/>
-              </a:rPr>
-              <a:t>[1]</a:t>
-            </a:r>
-            <a:pPr indent="0" marL="0">
+              <a:rPr lang="en-US" sz="1200" dirty="0">
+                <a:solidFill>
+                  <a:srgbClr val="030A18"/>
+                </a:solidFill>
+              </a:rPr>
+              <a:t>Compute a single threshold based on the maximum intensity in the entire image and segment voxels above a fraction ‘p’ of this maximum.</a:t>
+            </a:r>
+            <a:endParaRPr lang="en-US" sz="1200" dirty="0"/>
+          </a:p>
+        </p:txBody>
+      </p:sp>
+      <p:sp>
+        <p:nvSpPr>
+          <p:cNvPr id="6" name="Shape 4"/>
+          <p:cNvSpPr/>
+          <p:nvPr/>
+        </p:nvSpPr>
+        <p:spPr>
+          <a:xfrm>
+            <a:off x="365760" y="2880360"/>
+            <a:ext cx="2377440" cy="457200"/>
+          </a:xfrm>
+          <a:prstGeom prst="rect">
+            <a:avLst/>
+          </a:prstGeom>
+          <a:solidFill>
+            <a:srgbClr val="4F81BD"/>
+          </a:solidFill>
+          <a:ln w="12700">
+            <a:solidFill>
+              <a:srgbClr val="4F81BD"/>
+            </a:solidFill>
+            <a:prstDash val="solid"/>
+          </a:ln>
+        </p:spPr>
+        <p:txBody>
+          <a:bodyPr/>
+          <a:lstStyle/>
+          <a:p>
+            <a:endParaRPr/>
+          </a:p>
+        </p:txBody>
+      </p:sp>
+      <p:sp>
+        <p:nvSpPr>
+          <p:cNvPr id="7" name="Text 5"/>
+          <p:cNvSpPr/>
+          <p:nvPr/>
+        </p:nvSpPr>
+        <p:spPr>
+          <a:xfrm>
+            <a:off x="365760" y="2880360"/>
+            <a:ext cx="2377440" cy="457200"/>
+          </a:xfrm>
+          <a:prstGeom prst="rect">
+            <a:avLst/>
+          </a:prstGeom>
+          <a:noFill/>
+          <a:ln/>
+        </p:spPr>
+        <p:txBody>
+          <a:bodyPr wrap="square" rtlCol="0" anchor="ctr"/>
+          <a:lstStyle/>
+          <a:p>
+            <a:pPr marL="0" indent="0" algn="ctr">
               <a:buNone/>
             </a:pPr>
             <a:r>
-              <a:rPr lang="en-US" sz="600" dirty="0">
-                <a:solidFill>
-                  <a:srgbClr val="000000"/>
-                </a:solidFill>
-              </a:rPr>
-              <a:t> </a:t>
-            </a:r>
-            <a:pPr indent="0" marL="0">
+              <a:rPr lang="en-US" sz="1600" b="1" dirty="0">
+                <a:solidFill>
+                  <a:srgbClr val="FFFFFF"/>
+                </a:solidFill>
+                <a:latin typeface="Arial" pitchFamily="34" charset="0"/>
+                <a:ea typeface="Arial" pitchFamily="34" charset="-122"/>
+                <a:cs typeface="Arial" pitchFamily="34" charset="-120"/>
+              </a:rPr>
+              <a:t>thr = p × I_{max}</a:t>
+            </a:r>
+            <a:endParaRPr lang="en-US" sz="1600" dirty="0"/>
+          </a:p>
+        </p:txBody>
+      </p:sp>
+      <p:sp>
+        <p:nvSpPr>
+          <p:cNvPr id="8" name="Shape 6"/>
+          <p:cNvSpPr/>
+          <p:nvPr/>
+        </p:nvSpPr>
+        <p:spPr>
+          <a:xfrm>
+            <a:off x="3200400" y="1188720"/>
+            <a:ext cx="2560320" cy="3200400"/>
+          </a:xfrm>
+          <a:prstGeom prst="roundRect">
+            <a:avLst>
+              <a:gd name="adj" fmla="val 2857"/>
+            </a:avLst>
+          </a:prstGeom>
+          <a:solidFill>
+            <a:srgbClr val="F7F7F7"/>
+          </a:solidFill>
+          <a:ln w="12700">
+            <a:solidFill>
+              <a:srgbClr val="9BBB59"/>
+            </a:solidFill>
+            <a:prstDash val="solid"/>
+          </a:ln>
+        </p:spPr>
+        <p:txBody>
+          <a:bodyPr/>
+          <a:lstStyle/>
+          <a:p>
+            <a:endParaRPr/>
+          </a:p>
+        </p:txBody>
+      </p:sp>
+      <p:sp>
+        <p:nvSpPr>
+          <p:cNvPr id="9" name="Text 7"/>
+          <p:cNvSpPr/>
+          <p:nvPr/>
+        </p:nvSpPr>
+        <p:spPr>
+          <a:xfrm>
+            <a:off x="3291840" y="1325880"/>
+            <a:ext cx="2377440" cy="457200"/>
+          </a:xfrm>
+          <a:prstGeom prst="rect">
+            <a:avLst/>
+          </a:prstGeom>
+          <a:noFill/>
+          <a:ln/>
+        </p:spPr>
+        <p:txBody>
+          <a:bodyPr wrap="square" rtlCol="0" anchor="ctr"/>
+          <a:lstStyle/>
+          <a:p>
+            <a:pPr marL="0" indent="0">
               <a:buNone/>
             </a:pPr>
             <a:r>
+              <a:rPr lang="en-US" sz="1800" b="1" dirty="0">
+                <a:solidFill>
+                  <a:srgbClr val="9BBB59"/>
+                </a:solidFill>
+                <a:latin typeface="Arial" pitchFamily="34" charset="0"/>
+                <a:ea typeface="Arial" pitchFamily="34" charset="-122"/>
+                <a:cs typeface="Arial" pitchFamily="34" charset="-120"/>
+              </a:rPr>
+              <a:t>ROI Threshold</a:t>
+            </a:r>
+            <a:endParaRPr lang="en-US" sz="1800" dirty="0"/>
+          </a:p>
+        </p:txBody>
+      </p:sp>
+      <p:sp>
+        <p:nvSpPr>
+          <p:cNvPr id="10" name="Text 8"/>
+          <p:cNvSpPr/>
+          <p:nvPr/>
+        </p:nvSpPr>
+        <p:spPr>
+          <a:xfrm>
+            <a:off x="3291840" y="1737360"/>
+            <a:ext cx="2377440" cy="1097280"/>
+          </a:xfrm>
+          <a:prstGeom prst="rect">
+            <a:avLst/>
+          </a:prstGeom>
+          <a:noFill/>
+          <a:ln/>
+        </p:spPr>
+        <p:txBody>
+          <a:bodyPr wrap="square" rtlCol="0" anchor="ctr"/>
+          <a:lstStyle/>
+          <a:p>
+            <a:pPr marL="0" indent="0">
+              <a:buNone/>
+            </a:pPr>
+            <a:r>
+              <a:rPr lang="en-US" sz="1200" dirty="0">
+                <a:solidFill>
+                  <a:srgbClr val="030A18"/>
+                </a:solidFill>
+              </a:rPr>
+              <a:t>Restrict the search to a region of interest around the tumour, compute I_{max} within that region and threshold accordingly.</a:t>
+            </a:r>
+            <a:endParaRPr lang="en-US" sz="1200" dirty="0"/>
+          </a:p>
+        </p:txBody>
+      </p:sp>
+      <p:sp>
+        <p:nvSpPr>
+          <p:cNvPr id="11" name="Shape 9"/>
+          <p:cNvSpPr/>
+          <p:nvPr/>
+        </p:nvSpPr>
+        <p:spPr>
+          <a:xfrm>
+            <a:off x="3291840" y="2880360"/>
+            <a:ext cx="2377440" cy="457200"/>
+          </a:xfrm>
+          <a:prstGeom prst="rect">
+            <a:avLst/>
+          </a:prstGeom>
+          <a:solidFill>
+            <a:srgbClr val="9BBB59"/>
+          </a:solidFill>
+          <a:ln w="12700">
+            <a:solidFill>
+              <a:srgbClr val="9BBB59"/>
+            </a:solidFill>
+            <a:prstDash val="solid"/>
+          </a:ln>
+        </p:spPr>
+        <p:txBody>
+          <a:bodyPr/>
+          <a:lstStyle/>
+          <a:p>
+            <a:endParaRPr/>
+          </a:p>
+        </p:txBody>
+      </p:sp>
+      <p:sp>
+        <p:nvSpPr>
+          <p:cNvPr id="12" name="Text 10"/>
+          <p:cNvSpPr/>
+          <p:nvPr/>
+        </p:nvSpPr>
+        <p:spPr>
+          <a:xfrm>
+            <a:off x="3291840" y="2880360"/>
+            <a:ext cx="2377440" cy="457200"/>
+          </a:xfrm>
+          <a:prstGeom prst="rect">
+            <a:avLst/>
+          </a:prstGeom>
+          <a:noFill/>
+          <a:ln/>
+        </p:spPr>
+        <p:txBody>
+          <a:bodyPr wrap="square" rtlCol="0" anchor="ctr"/>
+          <a:lstStyle/>
+          <a:p>
+            <a:pPr marL="0" indent="0" algn="ctr">
+              <a:buNone/>
+            </a:pPr>
+            <a:r>
+              <a:rPr lang="en-US" sz="1600" b="1" dirty="0">
+                <a:solidFill>
+                  <a:srgbClr val="FFFFFF"/>
+                </a:solidFill>
+                <a:latin typeface="Arial" pitchFamily="34" charset="0"/>
+                <a:ea typeface="Arial" pitchFamily="34" charset="-122"/>
+                <a:cs typeface="Arial" pitchFamily="34" charset="-120"/>
+              </a:rPr>
+              <a:t>thr_{ROI} = p × I_{max,ROI}</a:t>
+            </a:r>
+            <a:endParaRPr lang="en-US" sz="1600" dirty="0"/>
+          </a:p>
+        </p:txBody>
+      </p:sp>
+      <p:sp>
+        <p:nvSpPr>
+          <p:cNvPr id="13" name="Shape 11"/>
+          <p:cNvSpPr/>
+          <p:nvPr/>
+        </p:nvSpPr>
+        <p:spPr>
+          <a:xfrm>
+            <a:off x="6126480" y="1188720"/>
+            <a:ext cx="2560320" cy="3200400"/>
+          </a:xfrm>
+          <a:prstGeom prst="roundRect">
+            <a:avLst>
+              <a:gd name="adj" fmla="val 2857"/>
+            </a:avLst>
+          </a:prstGeom>
+          <a:solidFill>
+            <a:srgbClr val="F7F7F7"/>
+          </a:solidFill>
+          <a:ln w="12700">
+            <a:solidFill>
+              <a:srgbClr val="F79646"/>
+            </a:solidFill>
+            <a:prstDash val="solid"/>
+          </a:ln>
+        </p:spPr>
+        <p:txBody>
+          <a:bodyPr/>
+          <a:lstStyle/>
+          <a:p>
+            <a:endParaRPr/>
+          </a:p>
+        </p:txBody>
+      </p:sp>
+      <p:sp>
+        <p:nvSpPr>
+          <p:cNvPr id="14" name="Text 12"/>
+          <p:cNvSpPr/>
+          <p:nvPr/>
+        </p:nvSpPr>
+        <p:spPr>
+          <a:xfrm>
+            <a:off x="6217920" y="1325880"/>
+            <a:ext cx="2377440" cy="457200"/>
+          </a:xfrm>
+          <a:prstGeom prst="rect">
+            <a:avLst/>
+          </a:prstGeom>
+          <a:noFill/>
+          <a:ln/>
+        </p:spPr>
+        <p:txBody>
+          <a:bodyPr wrap="square" rtlCol="0" anchor="ctr"/>
+          <a:lstStyle/>
+          <a:p>
+            <a:pPr marL="0" indent="0">
+              <a:buNone/>
+            </a:pPr>
+            <a:r>
+              <a:rPr lang="en-US" sz="1800" b="1" dirty="0">
+                <a:solidFill>
+                  <a:srgbClr val="F79646"/>
+                </a:solidFill>
+                <a:latin typeface="Arial" pitchFamily="34" charset="0"/>
+                <a:ea typeface="Arial" pitchFamily="34" charset="-122"/>
+                <a:cs typeface="Arial" pitchFamily="34" charset="-120"/>
+              </a:rPr>
+              <a:t>Otsu Threshold</a:t>
+            </a:r>
+            <a:endParaRPr lang="en-US" sz="1800" dirty="0"/>
+          </a:p>
+        </p:txBody>
+      </p:sp>
+      <p:sp>
+        <p:nvSpPr>
+          <p:cNvPr id="15" name="Text 13"/>
+          <p:cNvSpPr/>
+          <p:nvPr/>
+        </p:nvSpPr>
+        <p:spPr>
+          <a:xfrm>
+            <a:off x="6217920" y="1737360"/>
+            <a:ext cx="2377440" cy="1097280"/>
+          </a:xfrm>
+          <a:prstGeom prst="rect">
+            <a:avLst/>
+          </a:prstGeom>
+          <a:noFill/>
+          <a:ln/>
+        </p:spPr>
+        <p:txBody>
+          <a:bodyPr wrap="square" rtlCol="0" anchor="ctr"/>
+          <a:lstStyle/>
+          <a:p>
+            <a:pPr marL="0" indent="0">
+              <a:buNone/>
+            </a:pPr>
+            <a:r>
+              <a:rPr lang="en-US" sz="1200" dirty="0">
+                <a:solidFill>
+                  <a:srgbClr val="030A18"/>
+                </a:solidFill>
+              </a:rPr>
+              <a:t>Unsupervised algorithm that chooses the threshold maximising the between‑class variance of the intensity histogram.</a:t>
+            </a:r>
+            <a:endParaRPr lang="en-US" sz="1200" dirty="0"/>
+          </a:p>
+        </p:txBody>
+      </p:sp>
+      <p:sp>
+        <p:nvSpPr>
+          <p:cNvPr id="16" name="Shape 14"/>
+          <p:cNvSpPr/>
+          <p:nvPr/>
+        </p:nvSpPr>
+        <p:spPr>
+          <a:xfrm>
+            <a:off x="6217920" y="2880360"/>
+            <a:ext cx="2377440" cy="457200"/>
+          </a:xfrm>
+          <a:prstGeom prst="rect">
+            <a:avLst/>
+          </a:prstGeom>
+          <a:solidFill>
+            <a:srgbClr val="F79646"/>
+          </a:solidFill>
+          <a:ln w="12700">
+            <a:solidFill>
+              <a:srgbClr val="F79646"/>
+            </a:solidFill>
+            <a:prstDash val="solid"/>
+          </a:ln>
+        </p:spPr>
+        <p:txBody>
+          <a:bodyPr/>
+          <a:lstStyle/>
+          <a:p>
+            <a:endParaRPr/>
+          </a:p>
+        </p:txBody>
+      </p:sp>
+      <p:sp>
+        <p:nvSpPr>
+          <p:cNvPr id="17" name="Text 15"/>
+          <p:cNvSpPr/>
+          <p:nvPr/>
+        </p:nvSpPr>
+        <p:spPr>
+          <a:xfrm>
+            <a:off x="6217920" y="2880360"/>
+            <a:ext cx="2377440" cy="457200"/>
+          </a:xfrm>
+          <a:prstGeom prst="rect">
+            <a:avLst/>
+          </a:prstGeom>
+          <a:noFill/>
+          <a:ln/>
+        </p:spPr>
+        <p:txBody>
+          <a:bodyPr wrap="square" rtlCol="0" anchor="ctr"/>
+          <a:lstStyle/>
+          <a:p>
+            <a:pPr marL="0" indent="0" algn="ctr">
+              <a:buNone/>
+            </a:pPr>
+            <a:r>
+              <a:rPr lang="en-US" sz="1600" b="1" dirty="0">
+                <a:solidFill>
+                  <a:srgbClr val="FFFFFF"/>
+                </a:solidFill>
+                <a:latin typeface="Arial" pitchFamily="34" charset="0"/>
+                <a:ea typeface="Arial" pitchFamily="34" charset="-122"/>
+                <a:cs typeface="Arial" pitchFamily="34" charset="-120"/>
+              </a:rPr>
+              <a:t>maximise σ^2_{between}(t)</a:t>
+            </a:r>
+            <a:endParaRPr lang="en-US" sz="1600" dirty="0"/>
+          </a:p>
+        </p:txBody>
+      </p:sp>
+      <p:sp>
+        <p:nvSpPr>
+          <p:cNvPr id="18" name="Text 16"/>
+          <p:cNvSpPr/>
+          <p:nvPr/>
+        </p:nvSpPr>
+        <p:spPr>
+          <a:xfrm>
+            <a:off x="274320" y="4777740"/>
+            <a:ext cx="8595360" cy="228600"/>
+          </a:xfrm>
+          <a:prstGeom prst="rect">
+            <a:avLst/>
+          </a:prstGeom>
+          <a:noFill/>
+          <a:ln/>
+        </p:spPr>
+        <p:txBody>
+          <a:bodyPr wrap="square" rtlCol="0" anchor="ctr"/>
+          <a:lstStyle/>
+          <a:p>
+            <a:pPr marL="0" indent="0">
+              <a:buNone/>
+            </a:pPr>
+            <a:r>
               <a:rPr lang="en-US" sz="600" u="sng" dirty="0">
                 <a:solidFill>
-                  <a:srgbClr val="A4B6B8"/>
-                </a:solidFill>
-                <a:hlinkClick r:id="rId2"/>
+                  <a:srgbClr val="4F81BD"/>
+                </a:solidFill>
+                <a:hlinkClick r:id="rId3"/>
+              </a:rPr>
+              <a:t>[1]</a:t>
+            </a:r>
+            <a:r>
+              <a:rPr lang="en-US" sz="600" u="sng" dirty="0">
+                <a:solidFill>
+                  <a:srgbClr val="030A18"/>
+                </a:solidFill>
+              </a:rPr>
+              <a:t> </a:t>
+            </a:r>
+            <a:r>
+              <a:rPr lang="en-US" sz="600" u="sng" dirty="0">
+                <a:solidFill>
+                  <a:srgbClr val="9BBB59"/>
+                </a:solidFill>
+                <a:hlinkClick r:id="rId4"/>
               </a:rPr>
               <a:t>[2]</a:t>
+            </a:r>
+            <a:r>
+              <a:rPr lang="en-US" sz="600" u="sng" dirty="0">
+                <a:solidFill>
+                  <a:srgbClr val="030A18"/>
+                </a:solidFill>
+              </a:rPr>
+              <a:t> </a:t>
+            </a:r>
+            <a:r>
+              <a:rPr lang="en-US" sz="600" u="sng" dirty="0">
+                <a:solidFill>
+                  <a:srgbClr val="F79646"/>
+                </a:solidFill>
+                <a:hlinkClick r:id="rId5"/>
+              </a:rPr>
+              <a:t>[3]</a:t>
             </a:r>
             <a:endParaRPr lang="en-US" sz="600" dirty="0"/>
           </a:p>
@@ -1968,6 +2596,7 @@
         <a:solidFill>
           <a:srgbClr val="FFFFFF"/>
         </a:solidFill>
+        <a:effectLst/>
       </p:bgPr>
     </p:bg>
     <p:spTree>
@@ -2005,7 +2634,7 @@
           <a:bodyPr wrap="square" rtlCol="0" anchor="ctr"/>
           <a:lstStyle/>
           <a:p>
-            <a:pPr indent="0" marL="0">
+            <a:pPr marL="0" indent="0">
               <a:buNone/>
             </a:pPr>
             <a:r>
@@ -2017,7 +2646,7 @@
                 <a:ea typeface="Arial" pitchFamily="34" charset="-122"/>
                 <a:cs typeface="Arial" pitchFamily="34" charset="-120"/>
               </a:rPr>
-              <a:t>Methodology</a:t>
+              <a:t>Data &amp; Pre‑processing</a:t>
             </a:r>
             <a:endParaRPr lang="en-US" sz="2400" dirty="0"/>
           </a:p>
@@ -2031,8 +2660,8 @@
         </p:nvSpPr>
         <p:spPr>
           <a:xfrm>
-            <a:off x="457200" y="1280160"/>
-            <a:ext cx="8229600" cy="365760"/>
+            <a:off x="365760" y="1188720"/>
+            <a:ext cx="4074795" cy="3074670"/>
           </a:xfrm>
           <a:prstGeom prst="rect">
             <a:avLst/>
@@ -2044,32 +2673,165 @@
           <a:bodyPr wrap="square" rtlCol="0" anchor="ctr"/>
           <a:lstStyle/>
           <a:p>
-            <a:pPr indent="0" marL="0">
+            <a:pPr marL="0" indent="0">
               <a:buNone/>
             </a:pPr>
             <a:r>
               <a:rPr lang="en-US" sz="1600" b="1" dirty="0">
                 <a:solidFill>
+                  <a:srgbClr val="4F81BD"/>
+                </a:solidFill>
+              </a:rPr>
+              <a:t>Dataset</a:t>
+            </a:r>
+            <a:endParaRPr lang="en-US" sz="1600" dirty="0"/>
+          </a:p>
+          <a:p>
+            <a:pPr marL="190500" indent="-190500">
+              <a:buSzPct val="100000"/>
+              <a:buChar char="•"/>
+            </a:pPr>
+            <a:endParaRPr lang="en-US" sz="1600" dirty="0"/>
+          </a:p>
+          <a:p>
+            <a:pPr marL="190500" indent="-190500">
+              <a:buSzPct val="100000"/>
+              <a:buChar char="•"/>
+            </a:pPr>
+            <a:r>
+              <a:rPr lang="en-US" sz="1200" dirty="0">
+                <a:solidFill>
                   <a:srgbClr val="030A18"/>
                 </a:solidFill>
               </a:rPr>
-              <a:t>Synthetic data generation
-</a:t>
+              <a:t>• 3D PET SPECT scan of a single patient (116×116×232 voxels).</a:t>
+            </a:r>
+            <a:endParaRPr lang="en-US" sz="1600" dirty="0"/>
+          </a:p>
+          <a:p>
+            <a:pPr marL="190500" indent="-190500">
+              <a:buSzPct val="100000"/>
+              <a:buChar char="•"/>
+            </a:pPr>
+            <a:endParaRPr lang="en-US" sz="1600" dirty="0"/>
+          </a:p>
+          <a:p>
+            <a:pPr marL="190500" indent="-190500">
+              <a:buSzPct val="100000"/>
+              <a:buChar char="•"/>
+            </a:pPr>
+            <a:r>
+              <a:rPr lang="en-US" sz="1200" dirty="0">
+                <a:solidFill>
+                  <a:srgbClr val="030A18"/>
+                </a:solidFill>
+              </a:rPr>
+              <a:t>• Voxel spacing: 4.42 mm, isotropic.</a:t>
+            </a:r>
+            <a:endParaRPr lang="en-US" sz="1600" dirty="0"/>
+          </a:p>
+          <a:p>
+            <a:pPr marL="190500" indent="-190500">
+              <a:buSzPct val="100000"/>
+              <a:buChar char="•"/>
+            </a:pPr>
+            <a:endParaRPr lang="en-US" sz="1600" dirty="0"/>
+          </a:p>
+          <a:p>
+            <a:pPr marL="190500" indent="-190500">
+              <a:buSzPct val="100000"/>
+              <a:buChar char="•"/>
+            </a:pPr>
+            <a:r>
+              <a:rPr lang="en-US" sz="1200" dirty="0">
+                <a:solidFill>
+                  <a:srgbClr val="030A18"/>
+                </a:solidFill>
+              </a:rPr>
+              <a:t>• Ground‑truth tumour mask (binary).</a:t>
+            </a:r>
+            <a:endParaRPr lang="en-US" sz="1600" dirty="0"/>
+          </a:p>
+          <a:p>
+            <a:pPr marL="190500" indent="-190500">
+              <a:buSzPct val="100000"/>
+              <a:buChar char="•"/>
+            </a:pPr>
+            <a:endParaRPr lang="en-US" sz="1600" dirty="0"/>
+          </a:p>
+          <a:p>
+            <a:pPr marL="190500" indent="-190500">
+              <a:buSzPct val="100000"/>
+              <a:buChar char="•"/>
+            </a:pPr>
+            <a:r>
+              <a:rPr lang="en-US" sz="1200" dirty="0">
+                <a:solidFill>
+                  <a:srgbClr val="030A18"/>
+                </a:solidFill>
+              </a:rPr>
+              <a:t>• ROI approximated via bounding box around the mask (margin 10 voxels) due to missing ROI file.</a:t>
+            </a:r>
+            <a:endParaRPr lang="en-US" sz="1600" dirty="0"/>
+          </a:p>
+          <a:p>
+            <a:pPr marL="190500" indent="-190500">
+              <a:buSzPct val="100000"/>
+              <a:buChar char="•"/>
+            </a:pPr>
+            <a:endParaRPr lang="en-US" sz="1600" dirty="0"/>
+          </a:p>
+          <a:p>
+            <a:pPr marL="190500" indent="-190500">
+              <a:buSzPct val="100000"/>
+              <a:buChar char="•"/>
+            </a:pPr>
+            <a:r>
+              <a:rPr lang="en-US" sz="1200" dirty="0">
+                <a:solidFill>
+                  <a:srgbClr val="030A18"/>
+                </a:solidFill>
+              </a:rPr>
+              <a:t>• Ground‑truth volume ≈ 42.7 mL.</a:t>
             </a:r>
             <a:endParaRPr lang="en-US" sz="1600" dirty="0"/>
           </a:p>
         </p:txBody>
       </p:sp>
+      <p:pic>
+        <p:nvPicPr>
+          <p:cNvPr id="4" name="Image 0" descr="preencoded.png"/>
+          <p:cNvPicPr>
+            <a:picLocks noChangeAspect="1"/>
+          </p:cNvPicPr>
+          <p:nvPr/>
+        </p:nvPicPr>
+        <p:blipFill>
+          <a:blip r:embed="rId3"/>
+          <a:stretch>
+            <a:fillRect/>
+          </a:stretch>
+        </p:blipFill>
+        <p:spPr>
+          <a:xfrm>
+            <a:off x="4440555" y="674370"/>
+            <a:ext cx="4429125" cy="3543300"/>
+          </a:xfrm>
+          <a:prstGeom prst="rect">
+            <a:avLst/>
+          </a:prstGeom>
+        </p:spPr>
+      </p:pic>
       <p:sp>
         <p:nvSpPr>
-          <p:cNvPr id="4" name="Text 2"/>
+          <p:cNvPr id="5" name="Text 2"/>
           <p:cNvSpPr/>
           <p:nvPr/>
         </p:nvSpPr>
         <p:spPr>
           <a:xfrm>
-            <a:off x="457200" y="1645920"/>
-            <a:ext cx="8229600" cy="2743200"/>
+            <a:off x="5212080" y="4206240"/>
+            <a:ext cx="3657600" cy="457200"/>
           </a:xfrm>
           <a:prstGeom prst="rect">
             <a:avLst/>
@@ -2081,107 +2843,34 @@
           <a:bodyPr wrap="square" rtlCol="0" anchor="ctr"/>
           <a:lstStyle/>
           <a:p>
-            <a:pPr marL="190500" indent="-190500">
-              <a:spcAft>
-                <a:spcPts val="360"/>
-              </a:spcAft>
-              <a:buSzPct val="100000"/>
-              <a:buChar char="•"/>
+            <a:pPr marL="0" indent="0" algn="ctr">
+              <a:buNone/>
             </a:pPr>
             <a:r>
-              <a:rPr lang="en-US" sz="1200" dirty="0">
+              <a:rPr lang="en-US" sz="900" dirty="0">
                 <a:solidFill>
                   <a:srgbClr val="030A18"/>
                 </a:solidFill>
-              </a:rPr>
-              <a:t>A 100×100×100 volume with a spherical tumour (radius = 20 voxels).</a:t>
-            </a:r>
-            <a:endParaRPr lang="en-US" sz="1200" dirty="0"/>
-          </a:p>
-          <a:p>
-            <a:pPr marL="190500" indent="-190500">
-              <a:spcAft>
-                <a:spcPts val="360"/>
-              </a:spcAft>
-              <a:buSzPct val="100000"/>
-              <a:buChar char="•"/>
-            </a:pPr>
-            <a:r>
-              <a:rPr lang="en-US" sz="1200" dirty="0">
-                <a:solidFill>
-                  <a:srgbClr val="030A18"/>
-                </a:solidFill>
-              </a:rPr>
-              <a:t>Intensities follow a Gaussian decay from the tumour centre plus small noise.</a:t>
-            </a:r>
-            <a:endParaRPr lang="en-US" sz="1200" dirty="0"/>
-          </a:p>
-          <a:p>
-            <a:pPr marL="190500" indent="-190500">
-              <a:spcAft>
-                <a:spcPts val="360"/>
-              </a:spcAft>
-              <a:buSzPct val="100000"/>
-              <a:buChar char="•"/>
-            </a:pPr>
-            <a:r>
-              <a:rPr lang="en-US" sz="1200" dirty="0">
-                <a:solidFill>
-                  <a:srgbClr val="030A18"/>
-                </a:solidFill>
-              </a:rPr>
-              <a:t>Thresholds p ∈ {0.10, 0.15, …, 0.90} scale the global maximum intensity.</a:t>
-            </a:r>
-            <a:endParaRPr lang="en-US" sz="1200" dirty="0"/>
-          </a:p>
-          <a:p>
-            <a:pPr marL="190500" indent="-190500">
-              <a:spcAft>
-                <a:spcPts val="360"/>
-              </a:spcAft>
-              <a:buSzPct val="100000"/>
-              <a:buChar char="•"/>
-            </a:pPr>
-            <a:r>
-              <a:rPr lang="en-US" sz="1200" dirty="0">
-                <a:solidFill>
-                  <a:srgbClr val="030A18"/>
-                </a:solidFill>
-              </a:rPr>
-              <a:t>For each p, voxels with I ≥ p·Imax form a binary prediction. The largest connected component is optionally retained to suppress noise.</a:t>
-            </a:r>
-            <a:endParaRPr lang="en-US" sz="1200" dirty="0"/>
-          </a:p>
-          <a:p>
-            <a:pPr marL="190500" indent="-190500">
-              <a:spcAft>
-                <a:spcPts val="360"/>
-              </a:spcAft>
-              <a:buSzPct val="100000"/>
-              <a:buChar char="•"/>
-            </a:pPr>
-            <a:r>
-              <a:rPr lang="en-US" sz="1200" dirty="0">
-                <a:solidFill>
-                  <a:srgbClr val="030A18"/>
-                </a:solidFill>
-              </a:rPr>
-              <a:t>Dice coefficients are calculated between predictions and the ground truth sphere.</a:t>
-            </a:r>
-            <a:endParaRPr lang="en-US" sz="1200" dirty="0"/>
+                <a:latin typeface="Arial" pitchFamily="34" charset="0"/>
+                <a:ea typeface="Arial" pitchFamily="34" charset="-122"/>
+                <a:cs typeface="Arial" pitchFamily="34" charset="-120"/>
+              </a:rPr>
+              <a:t>SPECT slice with ground truth (red) and predictions (green)</a:t>
+            </a:r>
+            <a:endParaRPr lang="en-US" sz="900" dirty="0"/>
           </a:p>
         </p:txBody>
       </p:sp>
       <p:sp>
         <p:nvSpPr>
-          <p:cNvPr id="5" name="Text 3"/>
+          <p:cNvPr id="6" name="Text 3"/>
           <p:cNvSpPr/>
           <p:nvPr/>
         </p:nvSpPr>
         <p:spPr>
           <a:xfrm>
-            <a:off x="457200" y="4777740"/>
-            <a:ext cx="914400" cy="228600"/>
+            <a:off x="274320" y="4777740"/>
+            <a:ext cx="8686800" cy="228600"/>
           </a:xfrm>
           <a:prstGeom prst="rect">
             <a:avLst/>
@@ -2193,17 +2882,34 @@
           <a:bodyPr wrap="square" rtlCol="0" anchor="ctr"/>
           <a:lstStyle/>
           <a:p>
-            <a:pPr indent="0" marL="0">
+            <a:pPr marL="0" indent="0">
               <a:buNone/>
             </a:pPr>
             <a:r>
               <a:rPr lang="en-US" sz="600" u="sng" dirty="0">
                 <a:solidFill>
-                  <a:srgbClr val="A4B6B8"/>
-                </a:solidFill>
-                <a:hlinkClick r:id="rId1"/>
-              </a:rPr>
-              <a:t>[3]</a:t>
+                  <a:srgbClr val="4F81BD"/>
+                </a:solidFill>
+                <a:hlinkClick r:id="rId4"/>
+              </a:rPr>
+              <a:t>[4]</a:t>
+            </a:r>
+            <a:r>
+              <a:rPr lang="en-US" sz="600" u="sng" dirty="0">
+                <a:solidFill>
+                  <a:srgbClr val="030A18"/>
+                </a:solidFill>
+              </a:rPr>
+              <a:t> </a:t>
+            </a:r>
+            <a:r>
+              <a:rPr lang="en-US" sz="600" u="sng" dirty="0">
+                <a:solidFill>
+                  <a:srgbClr val="9BBB59"/>
+                </a:solidFill>
+                <a:hlinkClick r:id="rId5"/>
+              </a:rPr>
+              <a:t>[5]</a:t>
             </a:r>
             <a:endParaRPr lang="en-US" sz="600" dirty="0"/>
           </a:p>
@@ -2225,6 +2931,7 @@
         <a:solidFill>
           <a:srgbClr val="FFFFFF"/>
         </a:solidFill>
+        <a:effectLst/>
       </p:bgPr>
     </p:bg>
     <p:spTree>
@@ -2262,7 +2969,7 @@
           <a:bodyPr wrap="square" rtlCol="0" anchor="ctr"/>
           <a:lstStyle/>
           <a:p>
-            <a:pPr indent="0" marL="0">
+            <a:pPr marL="0" indent="0">
               <a:buNone/>
             </a:pPr>
             <a:r>
@@ -2274,36 +2981,34 @@
                 <a:ea typeface="Arial" pitchFamily="34" charset="-122"/>
                 <a:cs typeface="Arial" pitchFamily="34" charset="-120"/>
               </a:rPr>
-              <a:t>Results</a:t>
+              <a:t>Results &amp; Performance</a:t>
             </a:r>
             <a:endParaRPr lang="en-US" sz="2400" dirty="0"/>
           </a:p>
         </p:txBody>
       </p:sp>
-      <p:pic>
-        <p:nvPicPr>
-          <p:cNvPr id="3" name="Image 0" descr="/home/oai/share/dice_vs_threshold.png">    </p:cNvPr>
-          <p:cNvPicPr>
-            <a:picLocks noChangeAspect="1"/>
-          </p:cNvPicPr>
-          <p:nvPr/>
-        </p:nvPicPr>
-        <p:blipFill>
-          <a:blip r:embed="rId1"/>
-          <a:stretch>
-            <a:fillRect/>
-          </a:stretch>
-        </p:blipFill>
-        <p:spPr>
-          <a:xfrm>
-            <a:off x="685800" y="1554480"/>
-            <a:ext cx="4114800" cy="2743200"/>
-          </a:xfrm>
-          <a:prstGeom prst="rect">
-            <a:avLst/>
-          </a:prstGeom>
-        </p:spPr>
-      </p:pic>
+      <p:graphicFrame>
+        <p:nvGraphicFramePr>
+          <p:cNvPr id="3" name="Chart 0"/>
+          <p:cNvGraphicFramePr/>
+          <p:nvPr>
+            <p:extLst>
+              <p:ext uri="{D42A27DB-BD31-4B8C-83A1-F6EECF244321}">
+                <p14:modId xmlns:p14="http://schemas.microsoft.com/office/powerpoint/2010/main" val="3550971279"/>
+              </p:ext>
+            </p:extLst>
+          </p:nvPr>
+        </p:nvGraphicFramePr>
+        <p:xfrm>
+          <a:off x="274320" y="1175034"/>
+          <a:ext cx="4480560" cy="3160589"/>
+        </p:xfrm>
+        <a:graphic>
+          <a:graphicData uri="http://schemas.openxmlformats.org/drawingml/2006/chart">
+            <c:chart xmlns:c="http://schemas.openxmlformats.org/drawingml/2006/chart" xmlns:r="http://schemas.openxmlformats.org/officeDocument/2006/relationships" r:id="rId3"/>
+          </a:graphicData>
+        </a:graphic>
+      </p:graphicFrame>
       <p:graphicFrame>
         <p:nvGraphicFramePr>
           <p:cNvPr id="6" name="Table 0"/>
@@ -2319,42 +3024,67 @@
           </p:nvPr>
         </p:nvGraphicFramePr>
         <p:xfrm>
-          <a:off x="5120640" y="1645920"/>
-          <a:ext cx="3840480" cy="1188720"/>
+          <a:off x="5029200" y="1554480"/>
+          <a:ext cx="3657600" cy="1371600"/>
         </p:xfrm>
         <a:graphic>
           <a:graphicData uri="http://schemas.openxmlformats.org/drawingml/2006/table">
             <a:tbl>
               <a:tblPr/>
               <a:tblGrid>
-                <a:gridCol w="1280160"/>
-                <a:gridCol w="1280160"/>
-                <a:gridCol w="1280160"/>
+                <a:gridCol w="1280160">
+                  <a:extLst>
+                    <a:ext uri="{9D8B030D-6E8A-4147-A177-3AD203B41FA5}">
+                      <a16:colId xmlns:a16="http://schemas.microsoft.com/office/drawing/2014/main" val="20000"/>
+                    </a:ext>
+                  </a:extLst>
+                </a:gridCol>
+                <a:gridCol w="457200">
+                  <a:extLst>
+                    <a:ext uri="{9D8B030D-6E8A-4147-A177-3AD203B41FA5}">
+                      <a16:colId xmlns:a16="http://schemas.microsoft.com/office/drawing/2014/main" val="20001"/>
+                    </a:ext>
+                  </a:extLst>
+                </a:gridCol>
+                <a:gridCol w="731520">
+                  <a:extLst>
+                    <a:ext uri="{9D8B030D-6E8A-4147-A177-3AD203B41FA5}">
+                      <a16:colId xmlns:a16="http://schemas.microsoft.com/office/drawing/2014/main" val="20002"/>
+                    </a:ext>
+                  </a:extLst>
+                </a:gridCol>
+                <a:gridCol w="1188720">
+                  <a:extLst>
+                    <a:ext uri="{9D8B030D-6E8A-4147-A177-3AD203B41FA5}">
+                      <a16:colId xmlns:a16="http://schemas.microsoft.com/office/drawing/2014/main" val="20003"/>
+                    </a:ext>
+                  </a:extLst>
+                </a:gridCol>
               </a:tblGrid>
-              <a:tr h="198120">
+              <a:tr h="237744">
                 <a:tc>
                   <a:txBody>
                     <a:bodyPr/>
                     <a:lstStyle/>
                     <a:p>
-                      <a:pPr algn="ctr" indent="0" marL="0">
+                      <a:pPr marL="0" indent="0" algn="ctr">
                         <a:buNone/>
                       </a:pPr>
                       <a:r>
-                        <a:rPr lang="en-US" sz="1000" b="1" dirty="0">
+                        <a:rPr lang="en-US" sz="1200" b="1" dirty="0">
                           <a:solidFill>
-                            <a:srgbClr val="030A18"/>
+                            <a:srgbClr val="FFFFFF"/>
                           </a:solidFill>
                         </a:rPr>
-                        <a:t>p</a:t>
+                        <a:t>Method</a:t>
                       </a:r>
-                      <a:endParaRPr lang="en-US" sz="1000" dirty="0"/>
+                      <a:endParaRPr lang="en-US" sz="1200" dirty="0"/>
                     </a:p>
                   </a:txBody>
-                  <a:tcPr marL="91440" marR="91440" marT="45720" marB="45720">
+                  <a:tcPr>
                     <a:lnL w="6350" cap="flat" cmpd="sng" algn="ctr">
                       <a:solidFill>
-                        <a:srgbClr val="A4B6B8"/>
+                        <a:srgbClr val="DDDDDD"/>
                       </a:solidFill>
                       <a:prstDash val="solid"/>
                       <a:round/>
@@ -2363,7 +3093,7 @@
                     </a:lnL>
                     <a:lnR w="6350" cap="flat" cmpd="sng" algn="ctr">
                       <a:solidFill>
-                        <a:srgbClr val="A4B6B8"/>
+                        <a:srgbClr val="DDDDDD"/>
                       </a:solidFill>
                       <a:prstDash val="solid"/>
                       <a:round/>
@@ -2372,7 +3102,7 @@
                     </a:lnR>
                     <a:lnT w="6350" cap="flat" cmpd="sng" algn="ctr">
                       <a:solidFill>
-                        <a:srgbClr val="A4B6B8"/>
+                        <a:srgbClr val="DDDDDD"/>
                       </a:solidFill>
                       <a:prstDash val="solid"/>
                       <a:round/>
@@ -2381,7 +3111,7 @@
                     </a:lnT>
                     <a:lnB w="6350" cap="flat" cmpd="sng" algn="ctr">
                       <a:solidFill>
-                        <a:srgbClr val="A4B6B8"/>
+                        <a:srgbClr val="DDDDDD"/>
                       </a:solidFill>
                       <a:prstDash val="solid"/>
                       <a:round/>
@@ -2389,7 +3119,7 @@
                       <a:tailEnd type="none" w="med" len="med"/>
                     </a:lnB>
                     <a:solidFill>
-                      <a:srgbClr val="F8FAFD"/>
+                      <a:srgbClr val="4F81BD"/>
                     </a:solidFill>
                   </a:tcPr>
                 </a:tc>
@@ -2398,24 +3128,24 @@
                     <a:bodyPr/>
                     <a:lstStyle/>
                     <a:p>
-                      <a:pPr algn="ctr" indent="0" marL="0">
+                      <a:pPr marL="0" indent="0" algn="ctr">
                         <a:buNone/>
                       </a:pPr>
                       <a:r>
-                        <a:rPr lang="en-US" sz="1000" b="1" dirty="0">
+                        <a:rPr lang="en-US" sz="1200" b="1" dirty="0">
                           <a:solidFill>
-                            <a:srgbClr val="030A18"/>
+                            <a:srgbClr val="FFFFFF"/>
                           </a:solidFill>
                         </a:rPr>
-                        <a:t>Dice (raw)</a:t>
+                        <a:t>p</a:t>
                       </a:r>
-                      <a:endParaRPr lang="en-US" sz="1000" dirty="0"/>
+                      <a:endParaRPr lang="en-US" sz="1200" dirty="0"/>
                     </a:p>
                   </a:txBody>
-                  <a:tcPr marL="91440" marR="91440" marT="45720" marB="45720">
+                  <a:tcPr>
                     <a:lnL w="6350" cap="flat" cmpd="sng" algn="ctr">
                       <a:solidFill>
-                        <a:srgbClr val="A4B6B8"/>
+                        <a:srgbClr val="DDDDDD"/>
                       </a:solidFill>
                       <a:prstDash val="solid"/>
                       <a:round/>
@@ -2424,7 +3154,7 @@
                     </a:lnL>
                     <a:lnR w="6350" cap="flat" cmpd="sng" algn="ctr">
                       <a:solidFill>
-                        <a:srgbClr val="A4B6B8"/>
+                        <a:srgbClr val="DDDDDD"/>
                       </a:solidFill>
                       <a:prstDash val="solid"/>
                       <a:round/>
@@ -2433,7 +3163,7 @@
                     </a:lnR>
                     <a:lnT w="6350" cap="flat" cmpd="sng" algn="ctr">
                       <a:solidFill>
-                        <a:srgbClr val="A4B6B8"/>
+                        <a:srgbClr val="DDDDDD"/>
                       </a:solidFill>
                       <a:prstDash val="solid"/>
                       <a:round/>
@@ -2442,7 +3172,7 @@
                     </a:lnT>
                     <a:lnB w="6350" cap="flat" cmpd="sng" algn="ctr">
                       <a:solidFill>
-                        <a:srgbClr val="A4B6B8"/>
+                        <a:srgbClr val="DDDDDD"/>
                       </a:solidFill>
                       <a:prstDash val="solid"/>
                       <a:round/>
@@ -2450,7 +3180,7 @@
                       <a:tailEnd type="none" w="med" len="med"/>
                     </a:lnB>
                     <a:solidFill>
-                      <a:srgbClr val="F8FAFD"/>
+                      <a:srgbClr val="4F81BD"/>
                     </a:solidFill>
                   </a:tcPr>
                 </a:tc>
@@ -2459,24 +3189,24 @@
                     <a:bodyPr/>
                     <a:lstStyle/>
                     <a:p>
-                      <a:pPr algn="ctr" indent="0" marL="0">
+                      <a:pPr marL="0" indent="0" algn="ctr">
                         <a:buNone/>
                       </a:pPr>
                       <a:r>
-                        <a:rPr lang="en-US" sz="1000" b="1" dirty="0">
+                        <a:rPr lang="en-US" sz="1200" b="1" dirty="0">
                           <a:solidFill>
-                            <a:srgbClr val="030A18"/>
+                            <a:srgbClr val="FFFFFF"/>
                           </a:solidFill>
                         </a:rPr>
-                        <a:t>Dice (largest)</a:t>
+                        <a:t>Dice</a:t>
                       </a:r>
-                      <a:endParaRPr lang="en-US" sz="1000" dirty="0"/>
+                      <a:endParaRPr lang="en-US" sz="1200" dirty="0"/>
                     </a:p>
                   </a:txBody>
-                  <a:tcPr marL="91440" marR="91440" marT="45720" marB="45720">
+                  <a:tcPr>
                     <a:lnL w="6350" cap="flat" cmpd="sng" algn="ctr">
                       <a:solidFill>
-                        <a:srgbClr val="A4B6B8"/>
+                        <a:srgbClr val="DDDDDD"/>
                       </a:solidFill>
                       <a:prstDash val="solid"/>
                       <a:round/>
@@ -2485,7 +3215,7 @@
                     </a:lnL>
                     <a:lnR w="6350" cap="flat" cmpd="sng" algn="ctr">
                       <a:solidFill>
-                        <a:srgbClr val="A4B6B8"/>
+                        <a:srgbClr val="DDDDDD"/>
                       </a:solidFill>
                       <a:prstDash val="solid"/>
                       <a:round/>
@@ -2494,7 +3224,7 @@
                     </a:lnR>
                     <a:lnT w="6350" cap="flat" cmpd="sng" algn="ctr">
                       <a:solidFill>
-                        <a:srgbClr val="A4B6B8"/>
+                        <a:srgbClr val="DDDDDD"/>
                       </a:solidFill>
                       <a:prstDash val="solid"/>
                       <a:round/>
@@ -2503,7 +3233,7 @@
                     </a:lnT>
                     <a:lnB w="6350" cap="flat" cmpd="sng" algn="ctr">
                       <a:solidFill>
-                        <a:srgbClr val="A4B6B8"/>
+                        <a:srgbClr val="DDDDDD"/>
                       </a:solidFill>
                       <a:prstDash val="solid"/>
                       <a:round/>
@@ -2511,70 +3241,7 @@
                       <a:tailEnd type="none" w="med" len="med"/>
                     </a:lnB>
                     <a:solidFill>
-                      <a:srgbClr val="F8FAFD"/>
-                    </a:solidFill>
-                  </a:tcPr>
-                </a:tc>
-              </a:tr>
-              <a:tr h="198120">
-                <a:tc>
-                  <a:txBody>
-                    <a:bodyPr/>
-                    <a:lstStyle/>
-                    <a:p>
-                      <a:pPr indent="0" marL="0">
-                        <a:buNone/>
-                      </a:pPr>
-                      <a:r>
-                        <a:rPr lang="en-US" sz="1000" dirty="0">
-                          <a:solidFill>
-                            <a:srgbClr val="000000"/>
-                          </a:solidFill>
-                        </a:rPr>
-                        <a:t>0.10</a:t>
-                      </a:r>
-                      <a:endParaRPr lang="en-US" sz="1000" dirty="0"/>
-                    </a:p>
-                  </a:txBody>
-                  <a:tcPr marL="91440" marR="91440" marT="45720" marB="45720">
-                    <a:lnL w="6350" cap="flat" cmpd="sng" algn="ctr">
-                      <a:solidFill>
-                        <a:srgbClr val="A4B6B8"/>
-                      </a:solidFill>
-                      <a:prstDash val="solid"/>
-                      <a:round/>
-                      <a:headEnd type="none" w="med" len="med"/>
-                      <a:tailEnd type="none" w="med" len="med"/>
-                    </a:lnL>
-                    <a:lnR w="6350" cap="flat" cmpd="sng" algn="ctr">
-                      <a:solidFill>
-                        <a:srgbClr val="A4B6B8"/>
-                      </a:solidFill>
-                      <a:prstDash val="solid"/>
-                      <a:round/>
-                      <a:headEnd type="none" w="med" len="med"/>
-                      <a:tailEnd type="none" w="med" len="med"/>
-                    </a:lnR>
-                    <a:lnT w="6350" cap="flat" cmpd="sng" algn="ctr">
-                      <a:solidFill>
-                        <a:srgbClr val="A4B6B8"/>
-                      </a:solidFill>
-                      <a:prstDash val="solid"/>
-                      <a:round/>
-                      <a:headEnd type="none" w="med" len="med"/>
-                      <a:tailEnd type="none" w="med" len="med"/>
-                    </a:lnT>
-                    <a:lnB w="6350" cap="flat" cmpd="sng" algn="ctr">
-                      <a:solidFill>
-                        <a:srgbClr val="A4B6B8"/>
-                      </a:solidFill>
-                      <a:prstDash val="solid"/>
-                      <a:round/>
-                      <a:headEnd type="none" w="med" len="med"/>
-                      <a:tailEnd type="none" w="med" len="med"/>
-                    </a:lnB>
-                    <a:solidFill>
-                      <a:srgbClr val="F8FAFD"/>
+                      <a:srgbClr val="4F81BD"/>
                     </a:solidFill>
                   </a:tcPr>
                 </a:tc>
@@ -2583,24 +3250,24 @@
                     <a:bodyPr/>
                     <a:lstStyle/>
                     <a:p>
-                      <a:pPr indent="0" marL="0">
+                      <a:pPr marL="0" indent="0" algn="ctr">
                         <a:buNone/>
                       </a:pPr>
                       <a:r>
-                        <a:rPr lang="en-US" sz="1000" dirty="0">
+                        <a:rPr lang="en-US" sz="1200" b="1" dirty="0">
                           <a:solidFill>
-                            <a:srgbClr val="000000"/>
+                            <a:srgbClr val="FFFFFF"/>
                           </a:solidFill>
                         </a:rPr>
-                        <a:t>0.82</a:t>
+                        <a:t>Pred Vol (mL)</a:t>
                       </a:r>
-                      <a:endParaRPr lang="en-US" sz="1000" dirty="0"/>
+                      <a:endParaRPr lang="en-US" sz="1200" dirty="0"/>
                     </a:p>
                   </a:txBody>
-                  <a:tcPr marL="91440" marR="91440" marT="45720" marB="45720">
+                  <a:tcPr>
                     <a:lnL w="6350" cap="flat" cmpd="sng" algn="ctr">
                       <a:solidFill>
-                        <a:srgbClr val="A4B6B8"/>
+                        <a:srgbClr val="DDDDDD"/>
                       </a:solidFill>
                       <a:prstDash val="solid"/>
                       <a:round/>
@@ -2609,7 +3276,7 @@
                     </a:lnL>
                     <a:lnR w="6350" cap="flat" cmpd="sng" algn="ctr">
                       <a:solidFill>
-                        <a:srgbClr val="A4B6B8"/>
+                        <a:srgbClr val="DDDDDD"/>
                       </a:solidFill>
                       <a:prstDash val="solid"/>
                       <a:round/>
@@ -2618,7 +3285,7 @@
                     </a:lnR>
                     <a:lnT w="6350" cap="flat" cmpd="sng" algn="ctr">
                       <a:solidFill>
-                        <a:srgbClr val="A4B6B8"/>
+                        <a:srgbClr val="DDDDDD"/>
                       </a:solidFill>
                       <a:prstDash val="solid"/>
                       <a:round/>
@@ -2627,7 +3294,7 @@
                     </a:lnT>
                     <a:lnB w="6350" cap="flat" cmpd="sng" algn="ctr">
                       <a:solidFill>
-                        <a:srgbClr val="A4B6B8"/>
+                        <a:srgbClr val="DDDDDD"/>
                       </a:solidFill>
                       <a:prstDash val="solid"/>
                       <a:round/>
@@ -2635,8 +3302,73 @@
                       <a:tailEnd type="none" w="med" len="med"/>
                     </a:lnB>
                     <a:solidFill>
-                      <a:srgbClr val="F8FAFD"/>
+                      <a:srgbClr val="4F81BD"/>
                     </a:solidFill>
+                  </a:tcPr>
+                </a:tc>
+                <a:extLst>
+                  <a:ext uri="{0D108BD9-81ED-4DB2-BD59-A6C34878D82A}">
+                    <a16:rowId xmlns:a16="http://schemas.microsoft.com/office/drawing/2014/main" val="10000"/>
+                  </a:ext>
+                </a:extLst>
+              </a:tr>
+              <a:tr h="237744">
+                <a:tc>
+                  <a:txBody>
+                    <a:bodyPr/>
+                    <a:lstStyle/>
+                    <a:p>
+                      <a:pPr marL="0" indent="0">
+                        <a:buNone/>
+                      </a:pPr>
+                      <a:r>
+                        <a:rPr lang="en-US" sz="1200" dirty="0">
+                          <a:solidFill>
+                            <a:srgbClr val="030A18"/>
+                          </a:solidFill>
+                        </a:rPr>
+                        <a:t>Global thr</a:t>
+                      </a:r>
+                      <a:endParaRPr lang="en-US" sz="1200" dirty="0"/>
+                    </a:p>
+                  </a:txBody>
+                  <a:tcPr>
+                    <a:lnL w="6350" cap="flat" cmpd="sng" algn="ctr">
+                      <a:solidFill>
+                        <a:srgbClr val="DDDDDD"/>
+                      </a:solidFill>
+                      <a:prstDash val="solid"/>
+                      <a:round/>
+                      <a:headEnd type="none" w="med" len="med"/>
+                      <a:tailEnd type="none" w="med" len="med"/>
+                    </a:lnL>
+                    <a:lnR w="6350" cap="flat" cmpd="sng" algn="ctr">
+                      <a:solidFill>
+                        <a:srgbClr val="DDDDDD"/>
+                      </a:solidFill>
+                      <a:prstDash val="solid"/>
+                      <a:round/>
+                      <a:headEnd type="none" w="med" len="med"/>
+                      <a:tailEnd type="none" w="med" len="med"/>
+                    </a:lnR>
+                    <a:lnT w="6350" cap="flat" cmpd="sng" algn="ctr">
+                      <a:solidFill>
+                        <a:srgbClr val="DDDDDD"/>
+                      </a:solidFill>
+                      <a:prstDash val="solid"/>
+                      <a:round/>
+                      <a:headEnd type="none" w="med" len="med"/>
+                      <a:tailEnd type="none" w="med" len="med"/>
+                    </a:lnT>
+                    <a:lnB w="6350" cap="flat" cmpd="sng" algn="ctr">
+                      <a:solidFill>
+                        <a:srgbClr val="DDDDDD"/>
+                      </a:solidFill>
+                      <a:prstDash val="solid"/>
+                      <a:round/>
+                      <a:headEnd type="none" w="med" len="med"/>
+                      <a:tailEnd type="none" w="med" len="med"/>
+                    </a:lnB>
                   </a:tcPr>
                 </a:tc>
                 <a:tc>
@@ -2644,24 +3376,24 @@
                     <a:bodyPr/>
                     <a:lstStyle/>
                     <a:p>
-                      <a:pPr indent="0" marL="0">
+                      <a:pPr marL="0" indent="0" algn="r">
                         <a:buNone/>
                       </a:pPr>
                       <a:r>
-                        <a:rPr lang="en-US" sz="1000" dirty="0">
+                        <a:rPr lang="en-US" sz="1200" dirty="0">
                           <a:solidFill>
-                            <a:srgbClr val="000000"/>
+                            <a:srgbClr val="030A18"/>
                           </a:solidFill>
                         </a:rPr>
-                        <a:t>0.82</a:t>
+                        <a:t>0.35</a:t>
                       </a:r>
-                      <a:endParaRPr lang="en-US" sz="1000" dirty="0"/>
+                      <a:endParaRPr lang="en-US" sz="1200" dirty="0"/>
                     </a:p>
                   </a:txBody>
-                  <a:tcPr marL="91440" marR="91440" marT="45720" marB="45720">
+                  <a:tcPr>
                     <a:lnL w="6350" cap="flat" cmpd="sng" algn="ctr">
                       <a:solidFill>
-                        <a:srgbClr val="A4B6B8"/>
+                        <a:srgbClr val="DDDDDD"/>
                       </a:solidFill>
                       <a:prstDash val="solid"/>
                       <a:round/>
@@ -2670,7 +3402,7 @@
                     </a:lnL>
                     <a:lnR w="6350" cap="flat" cmpd="sng" algn="ctr">
                       <a:solidFill>
-                        <a:srgbClr val="A4B6B8"/>
+                        <a:srgbClr val="DDDDDD"/>
                       </a:solidFill>
                       <a:prstDash val="solid"/>
                       <a:round/>
@@ -2679,7 +3411,7 @@
                     </a:lnR>
                     <a:lnT w="6350" cap="flat" cmpd="sng" algn="ctr">
                       <a:solidFill>
-                        <a:srgbClr val="A4B6B8"/>
+                        <a:srgbClr val="DDDDDD"/>
                       </a:solidFill>
                       <a:prstDash val="solid"/>
                       <a:round/>
@@ -2688,79 +3420,13 @@
                     </a:lnT>
                     <a:lnB w="6350" cap="flat" cmpd="sng" algn="ctr">
                       <a:solidFill>
-                        <a:srgbClr val="A4B6B8"/>
+                        <a:srgbClr val="DDDDDD"/>
                       </a:solidFill>
                       <a:prstDash val="solid"/>
                       <a:round/>
                       <a:headEnd type="none" w="med" len="med"/>
                       <a:tailEnd type="none" w="med" len="med"/>
                     </a:lnB>
-                    <a:solidFill>
-                      <a:srgbClr val="F8FAFD"/>
-                    </a:solidFill>
-                  </a:tcPr>
-                </a:tc>
-              </a:tr>
-              <a:tr h="198120">
-                <a:tc>
-                  <a:txBody>
-                    <a:bodyPr/>
-                    <a:lstStyle/>
-                    <a:p>
-                      <a:pPr indent="0" marL="0">
-                        <a:buNone/>
-                      </a:pPr>
-                      <a:r>
-                        <a:rPr lang="en-US" sz="1000" dirty="0">
-                          <a:solidFill>
-                            <a:srgbClr val="000000"/>
-                          </a:solidFill>
-                        </a:rPr>
-                        <a:t>0.15</a:t>
-                      </a:r>
-                      <a:endParaRPr lang="en-US" sz="1000" dirty="0"/>
-                    </a:p>
-                  </a:txBody>
-                  <a:tcPr marL="91440" marR="91440" marT="45720" marB="45720">
-                    <a:lnL w="6350" cap="flat" cmpd="sng" algn="ctr">
-                      <a:solidFill>
-                        <a:srgbClr val="A4B6B8"/>
-                      </a:solidFill>
-                      <a:prstDash val="solid"/>
-                      <a:round/>
-                      <a:headEnd type="none" w="med" len="med"/>
-                      <a:tailEnd type="none" w="med" len="med"/>
-                    </a:lnL>
-                    <a:lnR w="6350" cap="flat" cmpd="sng" algn="ctr">
-                      <a:solidFill>
-                        <a:srgbClr val="A4B6B8"/>
-                      </a:solidFill>
-                      <a:prstDash val="solid"/>
-                      <a:round/>
-                      <a:headEnd type="none" w="med" len="med"/>
-                      <a:tailEnd type="none" w="med" len="med"/>
-                    </a:lnR>
-                    <a:lnT w="6350" cap="flat" cmpd="sng" algn="ctr">
-                      <a:solidFill>
-                        <a:srgbClr val="A4B6B8"/>
-                      </a:solidFill>
-                      <a:prstDash val="solid"/>
-                      <a:round/>
-                      <a:headEnd type="none" w="med" len="med"/>
-                      <a:tailEnd type="none" w="med" len="med"/>
-                    </a:lnT>
-                    <a:lnB w="6350" cap="flat" cmpd="sng" algn="ctr">
-                      <a:solidFill>
-                        <a:srgbClr val="A4B6B8"/>
-                      </a:solidFill>
-                      <a:prstDash val="solid"/>
-                      <a:round/>
-                      <a:headEnd type="none" w="med" len="med"/>
-                      <a:tailEnd type="none" w="med" len="med"/>
-                    </a:lnB>
-                    <a:solidFill>
-                      <a:srgbClr val="F8FAFD"/>
-                    </a:solidFill>
                   </a:tcPr>
                 </a:tc>
                 <a:tc>
@@ -2768,24 +3434,24 @@
                     <a:bodyPr/>
                     <a:lstStyle/>
                     <a:p>
-                      <a:pPr indent="0" marL="0">
+                      <a:pPr marL="0" indent="0" algn="r">
                         <a:buNone/>
                       </a:pPr>
                       <a:r>
-                        <a:rPr lang="en-US" sz="1000" dirty="0">
+                        <a:rPr lang="en-US" sz="1200" dirty="0">
                           <a:solidFill>
-                            <a:srgbClr val="000000"/>
+                            <a:srgbClr val="030A18"/>
                           </a:solidFill>
                         </a:rPr>
-                        <a:t>0.96</a:t>
+                        <a:t>0.232</a:t>
                       </a:r>
-                      <a:endParaRPr lang="en-US" sz="1000" dirty="0"/>
+                      <a:endParaRPr lang="en-US" sz="1200" dirty="0"/>
                     </a:p>
                   </a:txBody>
-                  <a:tcPr marL="91440" marR="91440" marT="45720" marB="45720">
+                  <a:tcPr>
                     <a:lnL w="6350" cap="flat" cmpd="sng" algn="ctr">
                       <a:solidFill>
-                        <a:srgbClr val="A4B6B8"/>
+                        <a:srgbClr val="DDDDDD"/>
                       </a:solidFill>
                       <a:prstDash val="solid"/>
                       <a:round/>
@@ -2794,7 +3460,7 @@
                     </a:lnL>
                     <a:lnR w="6350" cap="flat" cmpd="sng" algn="ctr">
                       <a:solidFill>
-                        <a:srgbClr val="A4B6B8"/>
+                        <a:srgbClr val="DDDDDD"/>
                       </a:solidFill>
                       <a:prstDash val="solid"/>
                       <a:round/>
@@ -2803,7 +3469,7 @@
                     </a:lnR>
                     <a:lnT w="6350" cap="flat" cmpd="sng" algn="ctr">
                       <a:solidFill>
-                        <a:srgbClr val="A4B6B8"/>
+                        <a:srgbClr val="DDDDDD"/>
                       </a:solidFill>
                       <a:prstDash val="solid"/>
                       <a:round/>
@@ -2812,16 +3478,13 @@
                     </a:lnT>
                     <a:lnB w="6350" cap="flat" cmpd="sng" algn="ctr">
                       <a:solidFill>
-                        <a:srgbClr val="A4B6B8"/>
+                        <a:srgbClr val="DDDDDD"/>
                       </a:solidFill>
                       <a:prstDash val="solid"/>
                       <a:round/>
                       <a:headEnd type="none" w="med" len="med"/>
                       <a:tailEnd type="none" w="med" len="med"/>
                     </a:lnB>
-                    <a:solidFill>
-                      <a:srgbClr val="F8FAFD"/>
-                    </a:solidFill>
                   </a:tcPr>
                 </a:tc>
                 <a:tc>
@@ -2829,24 +3492,24 @@
                     <a:bodyPr/>
                     <a:lstStyle/>
                     <a:p>
-                      <a:pPr indent="0" marL="0">
+                      <a:pPr marL="0" indent="0" algn="r">
                         <a:buNone/>
                       </a:pPr>
                       <a:r>
-                        <a:rPr lang="en-US" sz="1000" dirty="0">
+                        <a:rPr lang="en-US" sz="1200" dirty="0">
                           <a:solidFill>
-                            <a:srgbClr val="000000"/>
+                            <a:srgbClr val="030A18"/>
                           </a:solidFill>
                         </a:rPr>
-                        <a:t>0.96</a:t>
+                        <a:t>63.0</a:t>
                       </a:r>
-                      <a:endParaRPr lang="en-US" sz="1000" dirty="0"/>
+                      <a:endParaRPr lang="en-US" sz="1200" dirty="0"/>
                     </a:p>
                   </a:txBody>
-                  <a:tcPr marL="91440" marR="91440" marT="45720" marB="45720">
+                  <a:tcPr>
                     <a:lnL w="6350" cap="flat" cmpd="sng" algn="ctr">
                       <a:solidFill>
-                        <a:srgbClr val="A4B6B8"/>
+                        <a:srgbClr val="DDDDDD"/>
                       </a:solidFill>
                       <a:prstDash val="solid"/>
                       <a:round/>
@@ -2855,7 +3518,7 @@
                     </a:lnL>
                     <a:lnR w="6350" cap="flat" cmpd="sng" algn="ctr">
                       <a:solidFill>
-                        <a:srgbClr val="A4B6B8"/>
+                        <a:srgbClr val="DDDDDD"/>
                       </a:solidFill>
                       <a:prstDash val="solid"/>
                       <a:round/>
@@ -2864,7 +3527,7 @@
                     </a:lnR>
                     <a:lnT w="6350" cap="flat" cmpd="sng" algn="ctr">
                       <a:solidFill>
-                        <a:srgbClr val="A4B6B8"/>
+                        <a:srgbClr val="DDDDDD"/>
                       </a:solidFill>
                       <a:prstDash val="solid"/>
                       <a:round/>
@@ -2873,43 +3536,45 @@
                     </a:lnT>
                     <a:lnB w="6350" cap="flat" cmpd="sng" algn="ctr">
                       <a:solidFill>
-                        <a:srgbClr val="A4B6B8"/>
+                        <a:srgbClr val="DDDDDD"/>
                       </a:solidFill>
                       <a:prstDash val="solid"/>
                       <a:round/>
                       <a:headEnd type="none" w="med" len="med"/>
                       <a:tailEnd type="none" w="med" len="med"/>
                     </a:lnB>
-                    <a:solidFill>
-                      <a:srgbClr val="F8FAFD"/>
-                    </a:solidFill>
                   </a:tcPr>
                 </a:tc>
+                <a:extLst>
+                  <a:ext uri="{0D108BD9-81ED-4DB2-BD59-A6C34878D82A}">
+                    <a16:rowId xmlns:a16="http://schemas.microsoft.com/office/drawing/2014/main" val="10001"/>
+                  </a:ext>
+                </a:extLst>
               </a:tr>
-              <a:tr h="198120">
+              <a:tr h="237744">
                 <a:tc>
                   <a:txBody>
                     <a:bodyPr/>
                     <a:lstStyle/>
                     <a:p>
-                      <a:pPr indent="0" marL="0">
+                      <a:pPr marL="0" indent="0">
                         <a:buNone/>
                       </a:pPr>
                       <a:r>
-                        <a:rPr lang="en-US" sz="1000" dirty="0">
+                        <a:rPr lang="en-US" sz="1200" dirty="0">
                           <a:solidFill>
-                            <a:srgbClr val="000000"/>
+                            <a:srgbClr val="030A18"/>
                           </a:solidFill>
                         </a:rPr>
-                        <a:t>0.20</a:t>
+                        <a:t>ROI thr</a:t>
                       </a:r>
-                      <a:endParaRPr lang="en-US" sz="1000" dirty="0"/>
+                      <a:endParaRPr lang="en-US" sz="1200" dirty="0"/>
                     </a:p>
                   </a:txBody>
-                  <a:tcPr marL="91440" marR="91440" marT="45720" marB="45720">
+                  <a:tcPr>
                     <a:lnL w="6350" cap="flat" cmpd="sng" algn="ctr">
                       <a:solidFill>
-                        <a:srgbClr val="A4B6B8"/>
+                        <a:srgbClr val="DDDDDD"/>
                       </a:solidFill>
                       <a:prstDash val="solid"/>
                       <a:round/>
@@ -2918,7 +3583,7 @@
                     </a:lnL>
                     <a:lnR w="6350" cap="flat" cmpd="sng" algn="ctr">
                       <a:solidFill>
-                        <a:srgbClr val="A4B6B8"/>
+                        <a:srgbClr val="DDDDDD"/>
                       </a:solidFill>
                       <a:prstDash val="solid"/>
                       <a:round/>
@@ -2927,7 +3592,7 @@
                     </a:lnR>
                     <a:lnT w="6350" cap="flat" cmpd="sng" algn="ctr">
                       <a:solidFill>
-                        <a:srgbClr val="A4B6B8"/>
+                        <a:srgbClr val="DDDDDD"/>
                       </a:solidFill>
                       <a:prstDash val="solid"/>
                       <a:round/>
@@ -2936,16 +3601,13 @@
                     </a:lnT>
                     <a:lnB w="6350" cap="flat" cmpd="sng" algn="ctr">
                       <a:solidFill>
-                        <a:srgbClr val="A4B6B8"/>
+                        <a:srgbClr val="DDDDDD"/>
                       </a:solidFill>
                       <a:prstDash val="solid"/>
                       <a:round/>
                       <a:headEnd type="none" w="med" len="med"/>
                       <a:tailEnd type="none" w="med" len="med"/>
                     </a:lnB>
-                    <a:solidFill>
-                      <a:srgbClr val="F8FAFD"/>
-                    </a:solidFill>
                   </a:tcPr>
                 </a:tc>
                 <a:tc>
@@ -2953,24 +3615,24 @@
                     <a:bodyPr/>
                     <a:lstStyle/>
                     <a:p>
-                      <a:pPr indent="0" marL="0">
+                      <a:pPr marL="0" indent="0" algn="r">
                         <a:buNone/>
                       </a:pPr>
                       <a:r>
-                        <a:rPr lang="en-US" sz="1000" dirty="0">
+                        <a:rPr lang="en-US" sz="1200" dirty="0">
                           <a:solidFill>
-                            <a:srgbClr val="000000"/>
+                            <a:srgbClr val="030A18"/>
                           </a:solidFill>
                         </a:rPr>
-                        <a:t>0.88</a:t>
+                        <a:t>0.35</a:t>
                       </a:r>
-                      <a:endParaRPr lang="en-US" sz="1000" dirty="0"/>
+                      <a:endParaRPr lang="en-US" sz="1200" dirty="0"/>
                     </a:p>
                   </a:txBody>
-                  <a:tcPr marL="91440" marR="91440" marT="45720" marB="45720">
+                  <a:tcPr>
                     <a:lnL w="6350" cap="flat" cmpd="sng" algn="ctr">
                       <a:solidFill>
-                        <a:srgbClr val="A4B6B8"/>
+                        <a:srgbClr val="DDDDDD"/>
                       </a:solidFill>
                       <a:prstDash val="solid"/>
                       <a:round/>
@@ -2979,7 +3641,7 @@
                     </a:lnL>
                     <a:lnR w="6350" cap="flat" cmpd="sng" algn="ctr">
                       <a:solidFill>
-                        <a:srgbClr val="A4B6B8"/>
+                        <a:srgbClr val="DDDDDD"/>
                       </a:solidFill>
                       <a:prstDash val="solid"/>
                       <a:round/>
@@ -2988,7 +3650,7 @@
                     </a:lnR>
                     <a:lnT w="6350" cap="flat" cmpd="sng" algn="ctr">
                       <a:solidFill>
-                        <a:srgbClr val="A4B6B8"/>
+                        <a:srgbClr val="DDDDDD"/>
                       </a:solidFill>
                       <a:prstDash val="solid"/>
                       <a:round/>
@@ -2997,16 +3659,13 @@
                     </a:lnT>
                     <a:lnB w="6350" cap="flat" cmpd="sng" algn="ctr">
                       <a:solidFill>
-                        <a:srgbClr val="A4B6B8"/>
+                        <a:srgbClr val="DDDDDD"/>
                       </a:solidFill>
                       <a:prstDash val="solid"/>
                       <a:round/>
                       <a:headEnd type="none" w="med" len="med"/>
                       <a:tailEnd type="none" w="med" len="med"/>
                     </a:lnB>
-                    <a:solidFill>
-                      <a:srgbClr val="F8FAFD"/>
-                    </a:solidFill>
                   </a:tcPr>
                 </a:tc>
                 <a:tc>
@@ -3014,24 +3673,24 @@
                     <a:bodyPr/>
                     <a:lstStyle/>
                     <a:p>
-                      <a:pPr indent="0" marL="0">
+                      <a:pPr marL="0" indent="0" algn="r">
                         <a:buNone/>
                       </a:pPr>
                       <a:r>
-                        <a:rPr lang="en-US" sz="1000" dirty="0">
+                        <a:rPr lang="en-US" sz="1200" dirty="0">
                           <a:solidFill>
-                            <a:srgbClr val="000000"/>
+                            <a:srgbClr val="030A18"/>
                           </a:solidFill>
                         </a:rPr>
-                        <a:t>0.88</a:t>
+                        <a:t>0.950</a:t>
                       </a:r>
-                      <a:endParaRPr lang="en-US" sz="1000" dirty="0"/>
+                      <a:endParaRPr lang="en-US" sz="1200" dirty="0"/>
                     </a:p>
                   </a:txBody>
-                  <a:tcPr marL="91440" marR="91440" marT="45720" marB="45720">
+                  <a:tcPr>
                     <a:lnL w="6350" cap="flat" cmpd="sng" algn="ctr">
                       <a:solidFill>
-                        <a:srgbClr val="A4B6B8"/>
+                        <a:srgbClr val="DDDDDD"/>
                       </a:solidFill>
                       <a:prstDash val="solid"/>
                       <a:round/>
@@ -3040,7 +3699,7 @@
                     </a:lnL>
                     <a:lnR w="6350" cap="flat" cmpd="sng" algn="ctr">
                       <a:solidFill>
-                        <a:srgbClr val="A4B6B8"/>
+                        <a:srgbClr val="DDDDDD"/>
                       </a:solidFill>
                       <a:prstDash val="solid"/>
                       <a:round/>
@@ -3049,7 +3708,7 @@
                     </a:lnR>
                     <a:lnT w="6350" cap="flat" cmpd="sng" algn="ctr">
                       <a:solidFill>
-                        <a:srgbClr val="A4B6B8"/>
+                        <a:srgbClr val="DDDDDD"/>
                       </a:solidFill>
                       <a:prstDash val="solid"/>
                       <a:round/>
@@ -3058,79 +3717,13 @@
                     </a:lnT>
                     <a:lnB w="6350" cap="flat" cmpd="sng" algn="ctr">
                       <a:solidFill>
-                        <a:srgbClr val="A4B6B8"/>
+                        <a:srgbClr val="DDDDDD"/>
                       </a:solidFill>
                       <a:prstDash val="solid"/>
                       <a:round/>
                       <a:headEnd type="none" w="med" len="med"/>
                       <a:tailEnd type="none" w="med" len="med"/>
                     </a:lnB>
-                    <a:solidFill>
-                      <a:srgbClr val="F8FAFD"/>
-                    </a:solidFill>
-                  </a:tcPr>
-                </a:tc>
-              </a:tr>
-              <a:tr h="198120">
-                <a:tc>
-                  <a:txBody>
-                    <a:bodyPr/>
-                    <a:lstStyle/>
-                    <a:p>
-                      <a:pPr indent="0" marL="0">
-                        <a:buNone/>
-                      </a:pPr>
-                      <a:r>
-                        <a:rPr lang="en-US" sz="1000" dirty="0">
-                          <a:solidFill>
-                            <a:srgbClr val="000000"/>
-                          </a:solidFill>
-                        </a:rPr>
-                        <a:t>0.25</a:t>
-                      </a:r>
-                      <a:endParaRPr lang="en-US" sz="1000" dirty="0"/>
-                    </a:p>
-                  </a:txBody>
-                  <a:tcPr marL="91440" marR="91440" marT="45720" marB="45720">
-                    <a:lnL w="6350" cap="flat" cmpd="sng" algn="ctr">
-                      <a:solidFill>
-                        <a:srgbClr val="A4B6B8"/>
-                      </a:solidFill>
-                      <a:prstDash val="solid"/>
-                      <a:round/>
-                      <a:headEnd type="none" w="med" len="med"/>
-                      <a:tailEnd type="none" w="med" len="med"/>
-                    </a:lnL>
-                    <a:lnR w="6350" cap="flat" cmpd="sng" algn="ctr">
-                      <a:solidFill>
-                        <a:srgbClr val="A4B6B8"/>
-                      </a:solidFill>
-                      <a:prstDash val="solid"/>
-                      <a:round/>
-                      <a:headEnd type="none" w="med" len="med"/>
-                      <a:tailEnd type="none" w="med" len="med"/>
-                    </a:lnR>
-                    <a:lnT w="6350" cap="flat" cmpd="sng" algn="ctr">
-                      <a:solidFill>
-                        <a:srgbClr val="A4B6B8"/>
-                      </a:solidFill>
-                      <a:prstDash val="solid"/>
-                      <a:round/>
-                      <a:headEnd type="none" w="med" len="med"/>
-                      <a:tailEnd type="none" w="med" len="med"/>
-                    </a:lnT>
-                    <a:lnB w="6350" cap="flat" cmpd="sng" algn="ctr">
-                      <a:solidFill>
-                        <a:srgbClr val="A4B6B8"/>
-                      </a:solidFill>
-                      <a:prstDash val="solid"/>
-                      <a:round/>
-                      <a:headEnd type="none" w="med" len="med"/>
-                      <a:tailEnd type="none" w="med" len="med"/>
-                    </a:lnB>
-                    <a:solidFill>
-                      <a:srgbClr val="F8FAFD"/>
-                    </a:solidFill>
                   </a:tcPr>
                 </a:tc>
                 <a:tc>
@@ -3138,24 +3731,24 @@
                     <a:bodyPr/>
                     <a:lstStyle/>
                     <a:p>
-                      <a:pPr indent="0" marL="0">
+                      <a:pPr marL="0" indent="0" algn="r">
                         <a:buNone/>
                       </a:pPr>
                       <a:r>
-                        <a:rPr lang="en-US" sz="1000" dirty="0">
+                        <a:rPr lang="en-US" sz="1200" dirty="0">
                           <a:solidFill>
-                            <a:srgbClr val="000000"/>
+                            <a:srgbClr val="030A18"/>
                           </a:solidFill>
                         </a:rPr>
-                        <a:t>0.77</a:t>
+                        <a:t>44.0</a:t>
                       </a:r>
-                      <a:endParaRPr lang="en-US" sz="1000" dirty="0"/>
+                      <a:endParaRPr lang="en-US" sz="1200" dirty="0"/>
                     </a:p>
                   </a:txBody>
-                  <a:tcPr marL="91440" marR="91440" marT="45720" marB="45720">
+                  <a:tcPr>
                     <a:lnL w="6350" cap="flat" cmpd="sng" algn="ctr">
                       <a:solidFill>
-                        <a:srgbClr val="A4B6B8"/>
+                        <a:srgbClr val="DDDDDD"/>
                       </a:solidFill>
                       <a:prstDash val="solid"/>
                       <a:round/>
@@ -3164,7 +3757,7 @@
                     </a:lnL>
                     <a:lnR w="6350" cap="flat" cmpd="sng" algn="ctr">
                       <a:solidFill>
-                        <a:srgbClr val="A4B6B8"/>
+                        <a:srgbClr val="DDDDDD"/>
                       </a:solidFill>
                       <a:prstDash val="solid"/>
                       <a:round/>
@@ -3173,7 +3766,7 @@
                     </a:lnR>
                     <a:lnT w="6350" cap="flat" cmpd="sng" algn="ctr">
                       <a:solidFill>
-                        <a:srgbClr val="A4B6B8"/>
+                        <a:srgbClr val="DDDDDD"/>
                       </a:solidFill>
                       <a:prstDash val="solid"/>
                       <a:round/>
@@ -3182,16 +3775,78 @@
                     </a:lnT>
                     <a:lnB w="6350" cap="flat" cmpd="sng" algn="ctr">
                       <a:solidFill>
-                        <a:srgbClr val="A4B6B8"/>
+                        <a:srgbClr val="DDDDDD"/>
                       </a:solidFill>
                       <a:prstDash val="solid"/>
                       <a:round/>
                       <a:headEnd type="none" w="med" len="med"/>
                       <a:tailEnd type="none" w="med" len="med"/>
                     </a:lnB>
-                    <a:solidFill>
-                      <a:srgbClr val="F8FAFD"/>
-                    </a:solidFill>
+                  </a:tcPr>
+                </a:tc>
+                <a:extLst>
+                  <a:ext uri="{0D108BD9-81ED-4DB2-BD59-A6C34878D82A}">
+                    <a16:rowId xmlns:a16="http://schemas.microsoft.com/office/drawing/2014/main" val="10002"/>
+                  </a:ext>
+                </a:extLst>
+              </a:tr>
+              <a:tr h="237744">
+                <a:tc>
+                  <a:txBody>
+                    <a:bodyPr/>
+                    <a:lstStyle/>
+                    <a:p>
+                      <a:pPr marL="0" indent="0">
+                        <a:buNone/>
+                      </a:pPr>
+                      <a:r>
+                        <a:rPr lang="en-US" sz="1200" dirty="0">
+                          <a:solidFill>
+                            <a:srgbClr val="030A18"/>
+                          </a:solidFill>
+                        </a:rPr>
+                        <a:t>Global Otsu</a:t>
+                      </a:r>
+                      <a:endParaRPr lang="en-US" sz="1200" dirty="0"/>
+                    </a:p>
+                  </a:txBody>
+                  <a:tcPr>
+                    <a:lnL w="6350" cap="flat" cmpd="sng" algn="ctr">
+                      <a:solidFill>
+                        <a:srgbClr val="DDDDDD"/>
+                      </a:solidFill>
+                      <a:prstDash val="solid"/>
+                      <a:round/>
+                      <a:headEnd type="none" w="med" len="med"/>
+                      <a:tailEnd type="none" w="med" len="med"/>
+                    </a:lnL>
+                    <a:lnR w="6350" cap="flat" cmpd="sng" algn="ctr">
+                      <a:solidFill>
+                        <a:srgbClr val="DDDDDD"/>
+                      </a:solidFill>
+                      <a:prstDash val="solid"/>
+                      <a:round/>
+                      <a:headEnd type="none" w="med" len="med"/>
+                      <a:tailEnd type="none" w="med" len="med"/>
+                    </a:lnR>
+                    <a:lnT w="6350" cap="flat" cmpd="sng" algn="ctr">
+                      <a:solidFill>
+                        <a:srgbClr val="DDDDDD"/>
+                      </a:solidFill>
+                      <a:prstDash val="solid"/>
+                      <a:round/>
+                      <a:headEnd type="none" w="med" len="med"/>
+                      <a:tailEnd type="none" w="med" len="med"/>
+                    </a:lnT>
+                    <a:lnB w="6350" cap="flat" cmpd="sng" algn="ctr">
+                      <a:solidFill>
+                        <a:srgbClr val="DDDDDD"/>
+                      </a:solidFill>
+                      <a:prstDash val="solid"/>
+                      <a:round/>
+                      <a:headEnd type="none" w="med" len="med"/>
+                      <a:tailEnd type="none" w="med" len="med"/>
+                    </a:lnB>
                   </a:tcPr>
                 </a:tc>
                 <a:tc>
@@ -3199,24 +3854,24 @@
                     <a:bodyPr/>
                     <a:lstStyle/>
                     <a:p>
-                      <a:pPr indent="0" marL="0">
+                      <a:pPr marL="0" indent="0" algn="r">
                         <a:buNone/>
                       </a:pPr>
                       <a:r>
-                        <a:rPr lang="en-US" sz="1000" dirty="0">
+                        <a:rPr lang="en-US" sz="1200" dirty="0">
                           <a:solidFill>
-                            <a:srgbClr val="000000"/>
+                            <a:srgbClr val="030A18"/>
                           </a:solidFill>
                         </a:rPr>
-                        <a:t>0.77</a:t>
+                        <a:t>0.17</a:t>
                       </a:r>
-                      <a:endParaRPr lang="en-US" sz="1000" dirty="0"/>
+                      <a:endParaRPr lang="en-US" sz="1200" dirty="0"/>
                     </a:p>
                   </a:txBody>
-                  <a:tcPr marL="91440" marR="91440" marT="45720" marB="45720">
+                  <a:tcPr>
                     <a:lnL w="6350" cap="flat" cmpd="sng" algn="ctr">
                       <a:solidFill>
-                        <a:srgbClr val="A4B6B8"/>
+                        <a:srgbClr val="DDDDDD"/>
                       </a:solidFill>
                       <a:prstDash val="solid"/>
                       <a:round/>
@@ -3225,7 +3880,7 @@
                     </a:lnL>
                     <a:lnR w="6350" cap="flat" cmpd="sng" algn="ctr">
                       <a:solidFill>
-                        <a:srgbClr val="A4B6B8"/>
+                        <a:srgbClr val="DDDDDD"/>
                       </a:solidFill>
                       <a:prstDash val="solid"/>
                       <a:round/>
@@ -3234,7 +3889,7 @@
                     </a:lnR>
                     <a:lnT w="6350" cap="flat" cmpd="sng" algn="ctr">
                       <a:solidFill>
-                        <a:srgbClr val="A4B6B8"/>
+                        <a:srgbClr val="DDDDDD"/>
                       </a:solidFill>
                       <a:prstDash val="solid"/>
                       <a:round/>
@@ -3243,79 +3898,13 @@
                     </a:lnT>
                     <a:lnB w="6350" cap="flat" cmpd="sng" algn="ctr">
                       <a:solidFill>
-                        <a:srgbClr val="A4B6B8"/>
+                        <a:srgbClr val="DDDDDD"/>
                       </a:solidFill>
                       <a:prstDash val="solid"/>
                       <a:round/>
                       <a:headEnd type="none" w="med" len="med"/>
                       <a:tailEnd type="none" w="med" len="med"/>
                     </a:lnB>
-                    <a:solidFill>
-                      <a:srgbClr val="F8FAFD"/>
-                    </a:solidFill>
-                  </a:tcPr>
-                </a:tc>
-              </a:tr>
-              <a:tr h="198120">
-                <a:tc>
-                  <a:txBody>
-                    <a:bodyPr/>
-                    <a:lstStyle/>
-                    <a:p>
-                      <a:pPr indent="0" marL="0">
-                        <a:buNone/>
-                      </a:pPr>
-                      <a:r>
-                        <a:rPr lang="en-US" sz="1000" dirty="0">
-                          <a:solidFill>
-                            <a:srgbClr val="000000"/>
-                          </a:solidFill>
-                        </a:rPr>
-                        <a:t>0.30</a:t>
-                      </a:r>
-                      <a:endParaRPr lang="en-US" sz="1000" dirty="0"/>
-                    </a:p>
-                  </a:txBody>
-                  <a:tcPr marL="91440" marR="91440" marT="45720" marB="45720">
-                    <a:lnL w="6350" cap="flat" cmpd="sng" algn="ctr">
-                      <a:solidFill>
-                        <a:srgbClr val="A4B6B8"/>
-                      </a:solidFill>
-                      <a:prstDash val="solid"/>
-                      <a:round/>
-                      <a:headEnd type="none" w="med" len="med"/>
-                      <a:tailEnd type="none" w="med" len="med"/>
-                    </a:lnL>
-                    <a:lnR w="6350" cap="flat" cmpd="sng" algn="ctr">
-                      <a:solidFill>
-                        <a:srgbClr val="A4B6B8"/>
-                      </a:solidFill>
-                      <a:prstDash val="solid"/>
-                      <a:round/>
-                      <a:headEnd type="none" w="med" len="med"/>
-                      <a:tailEnd type="none" w="med" len="med"/>
-                    </a:lnR>
-                    <a:lnT w="6350" cap="flat" cmpd="sng" algn="ctr">
-                      <a:solidFill>
-                        <a:srgbClr val="A4B6B8"/>
-                      </a:solidFill>
-                      <a:prstDash val="solid"/>
-                      <a:round/>
-                      <a:headEnd type="none" w="med" len="med"/>
-                      <a:tailEnd type="none" w="med" len="med"/>
-                    </a:lnT>
-                    <a:lnB w="6350" cap="flat" cmpd="sng" algn="ctr">
-                      <a:solidFill>
-                        <a:srgbClr val="A4B6B8"/>
-                      </a:solidFill>
-                      <a:prstDash val="solid"/>
-                      <a:round/>
-                      <a:headEnd type="none" w="med" len="med"/>
-                      <a:tailEnd type="none" w="med" len="med"/>
-                    </a:lnB>
-                    <a:solidFill>
-                      <a:srgbClr val="F8FAFD"/>
-                    </a:solidFill>
                   </a:tcPr>
                 </a:tc>
                 <a:tc>
@@ -3323,24 +3912,24 @@
                     <a:bodyPr/>
                     <a:lstStyle/>
                     <a:p>
-                      <a:pPr indent="0" marL="0">
+                      <a:pPr marL="0" indent="0" algn="r">
                         <a:buNone/>
                       </a:pPr>
                       <a:r>
-                        <a:rPr lang="en-US" sz="1000" dirty="0">
+                        <a:rPr lang="en-US" sz="1200" dirty="0">
                           <a:solidFill>
-                            <a:srgbClr val="000000"/>
+                            <a:srgbClr val="030A18"/>
                           </a:solidFill>
                         </a:rPr>
-                        <a:t>0.66</a:t>
+                        <a:t>0.357</a:t>
                       </a:r>
-                      <a:endParaRPr lang="en-US" sz="1000" dirty="0"/>
+                      <a:endParaRPr lang="en-US" sz="1200" dirty="0"/>
                     </a:p>
                   </a:txBody>
-                  <a:tcPr marL="91440" marR="91440" marT="45720" marB="45720">
+                  <a:tcPr>
                     <a:lnL w="6350" cap="flat" cmpd="sng" algn="ctr">
                       <a:solidFill>
-                        <a:srgbClr val="A4B6B8"/>
+                        <a:srgbClr val="DDDDDD"/>
                       </a:solidFill>
                       <a:prstDash val="solid"/>
                       <a:round/>
@@ -3349,7 +3938,7 @@
                     </a:lnL>
                     <a:lnR w="6350" cap="flat" cmpd="sng" algn="ctr">
                       <a:solidFill>
-                        <a:srgbClr val="A4B6B8"/>
+                        <a:srgbClr val="DDDDDD"/>
                       </a:solidFill>
                       <a:prstDash val="solid"/>
                       <a:round/>
@@ -3358,7 +3947,7 @@
                     </a:lnR>
                     <a:lnT w="6350" cap="flat" cmpd="sng" algn="ctr">
                       <a:solidFill>
-                        <a:srgbClr val="A4B6B8"/>
+                        <a:srgbClr val="DDDDDD"/>
                       </a:solidFill>
                       <a:prstDash val="solid"/>
                       <a:round/>
@@ -3367,16 +3956,13 @@
                     </a:lnT>
                     <a:lnB w="6350" cap="flat" cmpd="sng" algn="ctr">
                       <a:solidFill>
-                        <a:srgbClr val="A4B6B8"/>
+                        <a:srgbClr val="DDDDDD"/>
                       </a:solidFill>
                       <a:prstDash val="solid"/>
                       <a:round/>
                       <a:headEnd type="none" w="med" len="med"/>
                       <a:tailEnd type="none" w="med" len="med"/>
                     </a:lnB>
-                    <a:solidFill>
-                      <a:srgbClr val="F8FAFD"/>
-                    </a:solidFill>
                   </a:tcPr>
                 </a:tc>
                 <a:tc>
@@ -3384,24 +3970,24 @@
                     <a:bodyPr/>
                     <a:lstStyle/>
                     <a:p>
-                      <a:pPr indent="0" marL="0">
+                      <a:pPr marL="0" indent="0" algn="r">
                         <a:buNone/>
                       </a:pPr>
                       <a:r>
-                        <a:rPr lang="en-US" sz="1000" dirty="0">
+                        <a:rPr lang="en-US" sz="1200" dirty="0">
                           <a:solidFill>
-                            <a:srgbClr val="000000"/>
+                            <a:srgbClr val="030A18"/>
                           </a:solidFill>
                         </a:rPr>
-                        <a:t>0.66</a:t>
+                        <a:t>194.1</a:t>
                       </a:r>
-                      <a:endParaRPr lang="en-US" sz="1000" dirty="0"/>
+                      <a:endParaRPr lang="en-US" sz="1200" dirty="0"/>
                     </a:p>
                   </a:txBody>
-                  <a:tcPr marL="91440" marR="91440" marT="45720" marB="45720">
+                  <a:tcPr>
                     <a:lnL w="6350" cap="flat" cmpd="sng" algn="ctr">
                       <a:solidFill>
-                        <a:srgbClr val="A4B6B8"/>
+                        <a:srgbClr val="DDDDDD"/>
                       </a:solidFill>
                       <a:prstDash val="solid"/>
                       <a:round/>
@@ -3410,7 +3996,7 @@
                     </a:lnL>
                     <a:lnR w="6350" cap="flat" cmpd="sng" algn="ctr">
                       <a:solidFill>
-                        <a:srgbClr val="A4B6B8"/>
+                        <a:srgbClr val="DDDDDD"/>
                       </a:solidFill>
                       <a:prstDash val="solid"/>
                       <a:round/>
@@ -3419,7 +4005,7 @@
                     </a:lnR>
                     <a:lnT w="6350" cap="flat" cmpd="sng" algn="ctr">
                       <a:solidFill>
-                        <a:srgbClr val="A4B6B8"/>
+                        <a:srgbClr val="DDDDDD"/>
                       </a:solidFill>
                       <a:prstDash val="solid"/>
                       <a:round/>
@@ -3428,18 +4014,259 @@
                     </a:lnT>
                     <a:lnB w="6350" cap="flat" cmpd="sng" algn="ctr">
                       <a:solidFill>
-                        <a:srgbClr val="A4B6B8"/>
+                        <a:srgbClr val="DDDDDD"/>
                       </a:solidFill>
                       <a:prstDash val="solid"/>
                       <a:round/>
                       <a:headEnd type="none" w="med" len="med"/>
                       <a:tailEnd type="none" w="med" len="med"/>
                     </a:lnB>
-                    <a:solidFill>
-                      <a:srgbClr val="F8FAFD"/>
-                    </a:solidFill>
                   </a:tcPr>
                 </a:tc>
+                <a:extLst>
+                  <a:ext uri="{0D108BD9-81ED-4DB2-BD59-A6C34878D82A}">
+                    <a16:rowId xmlns:a16="http://schemas.microsoft.com/office/drawing/2014/main" val="10003"/>
+                  </a:ext>
+                </a:extLst>
+              </a:tr>
+              <a:tr h="237744">
+                <a:tc>
+                  <a:txBody>
+                    <a:bodyPr/>
+                    <a:lstStyle/>
+                    <a:p>
+                      <a:pPr marL="0" indent="0">
+                        <a:buNone/>
+                      </a:pPr>
+                      <a:r>
+                        <a:rPr lang="en-US" sz="1200" dirty="0">
+                          <a:solidFill>
+                            <a:srgbClr val="030A18"/>
+                          </a:solidFill>
+                        </a:rPr>
+                        <a:t>ROI Otsu</a:t>
+                      </a:r>
+                      <a:endParaRPr lang="en-US" sz="1200" dirty="0"/>
+                    </a:p>
+                  </a:txBody>
+                  <a:tcPr>
+                    <a:lnL w="6350" cap="flat" cmpd="sng" algn="ctr">
+                      <a:solidFill>
+                        <a:srgbClr val="DDDDDD"/>
+                      </a:solidFill>
+                      <a:prstDash val="solid"/>
+                      <a:round/>
+                      <a:headEnd type="none" w="med" len="med"/>
+                      <a:tailEnd type="none" w="med" len="med"/>
+                    </a:lnL>
+                    <a:lnR w="6350" cap="flat" cmpd="sng" algn="ctr">
+                      <a:solidFill>
+                        <a:srgbClr val="DDDDDD"/>
+                      </a:solidFill>
+                      <a:prstDash val="solid"/>
+                      <a:round/>
+                      <a:headEnd type="none" w="med" len="med"/>
+                      <a:tailEnd type="none" w="med" len="med"/>
+                    </a:lnR>
+                    <a:lnT w="6350" cap="flat" cmpd="sng" algn="ctr">
+                      <a:solidFill>
+                        <a:srgbClr val="DDDDDD"/>
+                      </a:solidFill>
+                      <a:prstDash val="solid"/>
+                      <a:round/>
+                      <a:headEnd type="none" w="med" len="med"/>
+                      <a:tailEnd type="none" w="med" len="med"/>
+                    </a:lnT>
+                    <a:lnB w="6350" cap="flat" cmpd="sng" algn="ctr">
+                      <a:solidFill>
+                        <a:srgbClr val="DDDDDD"/>
+                      </a:solidFill>
+                      <a:prstDash val="solid"/>
+                      <a:round/>
+                      <a:headEnd type="none" w="med" len="med"/>
+                      <a:tailEnd type="none" w="med" len="med"/>
+                    </a:lnB>
+                  </a:tcPr>
+                </a:tc>
+                <a:tc>
+                  <a:txBody>
+                    <a:bodyPr/>
+                    <a:lstStyle/>
+                    <a:p>
+                      <a:pPr marL="0" indent="0" algn="r">
+                        <a:buNone/>
+                      </a:pPr>
+                      <a:r>
+                        <a:rPr lang="en-US" sz="1200" dirty="0">
+                          <a:solidFill>
+                            <a:srgbClr val="030A18"/>
+                          </a:solidFill>
+                        </a:rPr>
+                        <a:t>0.09</a:t>
+                      </a:r>
+                      <a:endParaRPr lang="en-US" sz="1200" dirty="0"/>
+                    </a:p>
+                  </a:txBody>
+                  <a:tcPr>
+                    <a:lnL w="6350" cap="flat" cmpd="sng" algn="ctr">
+                      <a:solidFill>
+                        <a:srgbClr val="DDDDDD"/>
+                      </a:solidFill>
+                      <a:prstDash val="solid"/>
+                      <a:round/>
+                      <a:headEnd type="none" w="med" len="med"/>
+                      <a:tailEnd type="none" w="med" len="med"/>
+                    </a:lnL>
+                    <a:lnR w="6350" cap="flat" cmpd="sng" algn="ctr">
+                      <a:solidFill>
+                        <a:srgbClr val="DDDDDD"/>
+                      </a:solidFill>
+                      <a:prstDash val="solid"/>
+                      <a:round/>
+                      <a:headEnd type="none" w="med" len="med"/>
+                      <a:tailEnd type="none" w="med" len="med"/>
+                    </a:lnR>
+                    <a:lnT w="6350" cap="flat" cmpd="sng" algn="ctr">
+                      <a:solidFill>
+                        <a:srgbClr val="DDDDDD"/>
+                      </a:solidFill>
+                      <a:prstDash val="solid"/>
+                      <a:round/>
+                      <a:headEnd type="none" w="med" len="med"/>
+                      <a:tailEnd type="none" w="med" len="med"/>
+                    </a:lnT>
+                    <a:lnB w="6350" cap="flat" cmpd="sng" algn="ctr">
+                      <a:solidFill>
+                        <a:srgbClr val="DDDDDD"/>
+                      </a:solidFill>
+                      <a:prstDash val="solid"/>
+                      <a:round/>
+                      <a:headEnd type="none" w="med" len="med"/>
+                      <a:tailEnd type="none" w="med" len="med"/>
+                    </a:lnB>
+                  </a:tcPr>
+                </a:tc>
+                <a:tc>
+                  <a:txBody>
+                    <a:bodyPr/>
+                    <a:lstStyle/>
+                    <a:p>
+                      <a:pPr marL="0" indent="0" algn="r">
+                        <a:buNone/>
+                      </a:pPr>
+                      <a:r>
+                        <a:rPr lang="en-US" sz="1200" dirty="0">
+                          <a:solidFill>
+                            <a:srgbClr val="030A18"/>
+                          </a:solidFill>
+                        </a:rPr>
+                        <a:t>0.110</a:t>
+                      </a:r>
+                      <a:endParaRPr lang="en-US" sz="1200" dirty="0"/>
+                    </a:p>
+                  </a:txBody>
+                  <a:tcPr>
+                    <a:lnL w="6350" cap="flat" cmpd="sng" algn="ctr">
+                      <a:solidFill>
+                        <a:srgbClr val="DDDDDD"/>
+                      </a:solidFill>
+                      <a:prstDash val="solid"/>
+                      <a:round/>
+                      <a:headEnd type="none" w="med" len="med"/>
+                      <a:tailEnd type="none" w="med" len="med"/>
+                    </a:lnL>
+                    <a:lnR w="6350" cap="flat" cmpd="sng" algn="ctr">
+                      <a:solidFill>
+                        <a:srgbClr val="DDDDDD"/>
+                      </a:solidFill>
+                      <a:prstDash val="solid"/>
+                      <a:round/>
+                      <a:headEnd type="none" w="med" len="med"/>
+                      <a:tailEnd type="none" w="med" len="med"/>
+                    </a:lnR>
+                    <a:lnT w="6350" cap="flat" cmpd="sng" algn="ctr">
+                      <a:solidFill>
+                        <a:srgbClr val="DDDDDD"/>
+                      </a:solidFill>
+                      <a:prstDash val="solid"/>
+                      <a:round/>
+                      <a:headEnd type="none" w="med" len="med"/>
+                      <a:tailEnd type="none" w="med" len="med"/>
+                    </a:lnT>
+                    <a:lnB w="6350" cap="flat" cmpd="sng" algn="ctr">
+                      <a:solidFill>
+                        <a:srgbClr val="DDDDDD"/>
+                      </a:solidFill>
+                      <a:prstDash val="solid"/>
+                      <a:round/>
+                      <a:headEnd type="none" w="med" len="med"/>
+                      <a:tailEnd type="none" w="med" len="med"/>
+                    </a:lnB>
+                  </a:tcPr>
+                </a:tc>
+                <a:tc>
+                  <a:txBody>
+                    <a:bodyPr/>
+                    <a:lstStyle/>
+                    <a:p>
+                      <a:pPr marL="0" indent="0" algn="r">
+                        <a:buNone/>
+                      </a:pPr>
+                      <a:r>
+                        <a:rPr lang="en-US" sz="1200" dirty="0">
+                          <a:solidFill>
+                            <a:srgbClr val="030A18"/>
+                          </a:solidFill>
+                        </a:rPr>
+                        <a:t>723.3</a:t>
+                      </a:r>
+                      <a:endParaRPr lang="en-US" sz="1200" dirty="0"/>
+                    </a:p>
+                  </a:txBody>
+                  <a:tcPr>
+                    <a:lnL w="6350" cap="flat" cmpd="sng" algn="ctr">
+                      <a:solidFill>
+                        <a:srgbClr val="DDDDDD"/>
+                      </a:solidFill>
+                      <a:prstDash val="solid"/>
+                      <a:round/>
+                      <a:headEnd type="none" w="med" len="med"/>
+                      <a:tailEnd type="none" w="med" len="med"/>
+                    </a:lnL>
+                    <a:lnR w="6350" cap="flat" cmpd="sng" algn="ctr">
+                      <a:solidFill>
+                        <a:srgbClr val="DDDDDD"/>
+                      </a:solidFill>
+                      <a:prstDash val="solid"/>
+                      <a:round/>
+                      <a:headEnd type="none" w="med" len="med"/>
+                      <a:tailEnd type="none" w="med" len="med"/>
+                    </a:lnR>
+                    <a:lnT w="6350" cap="flat" cmpd="sng" algn="ctr">
+                      <a:solidFill>
+                        <a:srgbClr val="DDDDDD"/>
+                      </a:solidFill>
+                      <a:prstDash val="solid"/>
+                      <a:round/>
+                      <a:headEnd type="none" w="med" len="med"/>
+                      <a:tailEnd type="none" w="med" len="med"/>
+                    </a:lnT>
+                    <a:lnB w="6350" cap="flat" cmpd="sng" algn="ctr">
+                      <a:solidFill>
+                        <a:srgbClr val="DDDDDD"/>
+                      </a:solidFill>
+                      <a:prstDash val="solid"/>
+                      <a:round/>
+                      <a:headEnd type="none" w="med" len="med"/>
+                      <a:tailEnd type="none" w="med" len="med"/>
+                    </a:lnB>
+                  </a:tcPr>
+                </a:tc>
+                <a:extLst>
+                  <a:ext uri="{0D108BD9-81ED-4DB2-BD59-A6C34878D82A}">
+                    <a16:rowId xmlns:a16="http://schemas.microsoft.com/office/drawing/2014/main" val="10004"/>
+                  </a:ext>
+                </a:extLst>
               </a:tr>
             </a:tbl>
           </a:graphicData>
@@ -3447,14 +4274,48 @@
       </p:graphicFrame>
       <p:sp>
         <p:nvSpPr>
-          <p:cNvPr id="5" name="Text 1"/>
+          <p:cNvPr id="5" name="Shape 1"/>
           <p:cNvSpPr/>
           <p:nvPr/>
         </p:nvSpPr>
         <p:spPr>
           <a:xfrm>
-            <a:off x="5120640" y="2926080"/>
-            <a:ext cx="3840480" cy="365760"/>
+            <a:off x="4983479" y="3097374"/>
+            <a:ext cx="3407851" cy="921010"/>
+          </a:xfrm>
+          <a:prstGeom prst="roundRect">
+            <a:avLst>
+              <a:gd name="adj" fmla="val 8333"/>
+            </a:avLst>
+          </a:prstGeom>
+          <a:solidFill>
+            <a:srgbClr val="EEF5FF"/>
+          </a:solidFill>
+          <a:ln w="12700">
+            <a:solidFill>
+              <a:srgbClr val="4F81BD"/>
+            </a:solidFill>
+            <a:prstDash val="solid"/>
+          </a:ln>
+        </p:spPr>
+        <p:txBody>
+          <a:bodyPr/>
+          <a:lstStyle/>
+          <a:p>
+            <a:endParaRPr/>
+          </a:p>
+        </p:txBody>
+      </p:sp>
+      <p:sp>
+        <p:nvSpPr>
+          <p:cNvPr id="4" name="Text 2"/>
+          <p:cNvSpPr/>
+          <p:nvPr/>
+        </p:nvSpPr>
+        <p:spPr>
+          <a:xfrm>
+            <a:off x="5074920" y="3291840"/>
+            <a:ext cx="3108960" cy="548640"/>
           </a:xfrm>
           <a:prstGeom prst="rect">
             <a:avLst/>
@@ -3466,32 +4327,40 @@
           <a:bodyPr wrap="square" rtlCol="0" anchor="ctr"/>
           <a:lstStyle/>
           <a:p>
-            <a:pPr indent="0" marL="0">
+            <a:pPr marL="0" indent="0">
               <a:buNone/>
             </a:pPr>
             <a:r>
-              <a:rPr lang="en-US" sz="1600" b="1" dirty="0">
+              <a:rPr lang="en-US" sz="1300" b="1" dirty="0">
+                <a:solidFill>
+                  <a:srgbClr val="4F81BD"/>
+                </a:solidFill>
+              </a:rPr>
+              <a:t>Highest accuracy achieved by ROI threshold at p=0.35.
+</a:t>
+            </a:r>
+            <a:r>
+              <a:rPr lang="en-US" sz="1200" dirty="0">
                 <a:solidFill>
                   <a:srgbClr val="030A18"/>
                 </a:solidFill>
               </a:rPr>
-              <a:t>Key observations
-</a:t>
-            </a:r>
-            <a:endParaRPr lang="en-US" sz="1600" dirty="0"/>
+              <a:t>Global threshold and Otsu methods underperform due to background uptake.</a:t>
+            </a:r>
+            <a:endParaRPr lang="en-US" sz="1300" dirty="0"/>
           </a:p>
         </p:txBody>
       </p:sp>
       <p:sp>
         <p:nvSpPr>
-          <p:cNvPr id="6" name="Text 2"/>
+          <p:cNvPr id="7" name="Text 3"/>
           <p:cNvSpPr/>
           <p:nvPr/>
         </p:nvSpPr>
         <p:spPr>
           <a:xfrm>
-            <a:off x="5120640" y="3291840"/>
-            <a:ext cx="3840480" cy="1554480"/>
+            <a:off x="274320" y="4777740"/>
+            <a:ext cx="8778240" cy="228600"/>
           </a:xfrm>
           <a:prstGeom prst="rect">
             <a:avLst/>
@@ -3503,58 +4372,53 @@
           <a:bodyPr wrap="square" rtlCol="0" anchor="ctr"/>
           <a:lstStyle/>
           <a:p>
-            <a:pPr marL="190500" indent="-190500">
-              <a:spcAft>
-                <a:spcPts val="360"/>
-              </a:spcAft>
-              <a:buSzPct val="100000"/>
-              <a:buChar char="•"/>
+            <a:pPr marL="0" indent="0">
+              <a:buNone/>
             </a:pPr>
             <a:r>
-              <a:rPr lang="en-US" sz="1200" dirty="0">
+              <a:rPr lang="en-US" sz="600" u="sng" dirty="0">
+                <a:solidFill>
+                  <a:srgbClr val="4F81BD"/>
+                </a:solidFill>
+                <a:hlinkClick r:id="rId4"/>
+              </a:rPr>
+              <a:t>[1]</a:t>
+            </a:r>
+            <a:r>
+              <a:rPr lang="en-US" sz="600" u="sng" dirty="0">
                 <a:solidFill>
                   <a:srgbClr val="030A18"/>
                 </a:solidFill>
               </a:rPr>
-              <a:t>The Dice coefficient peaks around p = 0.15, indicating an optimal trade‑off.</a:t>
-            </a:r>
-            <a:endParaRPr lang="en-US" sz="1200" dirty="0"/>
-          </a:p>
-          <a:p>
-            <a:pPr marL="190500" indent="-190500">
-              <a:spcAft>
-                <a:spcPts val="360"/>
-              </a:spcAft>
-              <a:buSzPct val="100000"/>
-              <a:buChar char="•"/>
-            </a:pPr>
-            <a:r>
-              <a:rPr lang="en-US" sz="1200" dirty="0">
+              <a:t> </a:t>
+            </a:r>
+            <a:r>
+              <a:rPr lang="en-US" sz="600" u="sng" dirty="0">
+                <a:solidFill>
+                  <a:srgbClr val="9BBB59"/>
+                </a:solidFill>
+                <a:hlinkClick r:id="rId5"/>
+              </a:rPr>
+              <a:t>[3]</a:t>
+            </a:r>
+            <a:r>
+              <a:rPr lang="en-US" sz="600" u="sng" dirty="0">
                 <a:solidFill>
                   <a:srgbClr val="030A18"/>
                 </a:solidFill>
               </a:rPr>
-              <a:t>Very low thresholds (p ≤ 0.1) over‑segment, whereas high thresholds under‑segment.</a:t>
-            </a:r>
-            <a:endParaRPr lang="en-US" sz="1200" dirty="0"/>
-          </a:p>
-          <a:p>
-            <a:pPr marL="190500" indent="-190500">
-              <a:spcAft>
-                <a:spcPts val="360"/>
-              </a:spcAft>
-              <a:buSzPct val="100000"/>
-              <a:buChar char="•"/>
-            </a:pPr>
-            <a:r>
-              <a:rPr lang="en-US" sz="1200" dirty="0">
-                <a:solidFill>
-                  <a:srgbClr val="030A18"/>
-                </a:solidFill>
-              </a:rPr>
-              <a:t>Retaining only the largest component has little effect because the synthetic data contains a single tumour.</a:t>
-            </a:r>
-            <a:endParaRPr lang="en-US" sz="1200" dirty="0"/>
+              <a:t> </a:t>
+            </a:r>
+            <a:r>
+              <a:rPr lang="en-US" sz="600" u="sng" dirty="0">
+                <a:solidFill>
+                  <a:srgbClr val="F79646"/>
+                </a:solidFill>
+                <a:hlinkClick r:id="rId6"/>
+              </a:rPr>
+              <a:t>[5]</a:t>
+            </a:r>
+            <a:endParaRPr lang="en-US" sz="600" dirty="0"/>
           </a:p>
         </p:txBody>
       </p:sp>
@@ -3574,6 +4438,7 @@
         <a:solidFill>
           <a:srgbClr val="FFFFFF"/>
         </a:solidFill>
+        <a:effectLst/>
       </p:bgPr>
     </p:bg>
     <p:spTree>
@@ -3611,7 +4476,7 @@
           <a:bodyPr wrap="square" rtlCol="0" anchor="ctr"/>
           <a:lstStyle/>
           <a:p>
-            <a:pPr indent="0" marL="0">
+            <a:pPr marL="0" indent="0">
               <a:buNone/>
             </a:pPr>
             <a:r>
@@ -3623,7 +4488,7 @@
                 <a:ea typeface="Arial" pitchFamily="34" charset="-122"/>
                 <a:cs typeface="Arial" pitchFamily="34" charset="-120"/>
               </a:rPr>
-              <a:t>ROI‑Guided vs Global</a:t>
+              <a:t>Discussion &amp; Conclusions</a:t>
             </a:r>
             <a:endParaRPr lang="en-US" sz="2400" dirty="0"/>
           </a:p>
@@ -3637,8 +4502,8 @@
         </p:nvSpPr>
         <p:spPr>
           <a:xfrm>
-            <a:off x="457200" y="1463040"/>
-            <a:ext cx="8686800" cy="3108960"/>
+            <a:off x="115077" y="1781836"/>
+            <a:ext cx="9128449" cy="2165946"/>
           </a:xfrm>
           <a:prstGeom prst="rect">
             <a:avLst/>
@@ -3650,16 +4515,17 @@
           <a:bodyPr wrap="square" rtlCol="0" anchor="ctr"/>
           <a:lstStyle/>
           <a:p>
-            <a:pPr indent="0" marL="0">
+            <a:pPr marL="0" indent="0">
               <a:buNone/>
             </a:pPr>
             <a:r>
               <a:rPr lang="en-US" sz="1600" b="1" dirty="0">
                 <a:solidFill>
-                  <a:srgbClr val="030A18"/>
-                </a:solidFill>
-              </a:rPr>
-              <a:t>Global thresholding</a:t>
+                  <a:srgbClr val="4F81BD"/>
+                </a:solidFill>
+              </a:rPr>
+              <a:t>Key Observations
+</a:t>
             </a:r>
             <a:endParaRPr lang="en-US" sz="1600" dirty="0"/>
           </a:p>
@@ -3674,24 +4540,9 @@
                   <a:srgbClr val="030A18"/>
                 </a:solidFill>
               </a:rPr>
-              <a:t>Computes Imax over the entire image and applies a fixed fraction p.</a:t>
-            </a:r>
-            <a:pPr indent="0" marL="0">
-              <a:buNone/>
-            </a:pPr>
-            <a:endParaRPr lang="en-US" sz="1600" dirty="0"/>
-          </a:p>
-          <a:p>
-            <a:pPr indent="0" marL="0">
-              <a:buNone/>
-            </a:pPr>
-            <a:r>
-              <a:rPr lang="en-US" sz="1600" b="1" dirty="0">
-                <a:solidFill>
-                  <a:srgbClr val="030A18"/>
-                </a:solidFill>
-              </a:rPr>
-              <a:t>ROI‑guided thresholding</a:t>
+              <a:t>
+• ROI thresholding clearly outperforms global methods. The limited search space suppresses background uptake and yields a Dice of 0.95 at p=0.35.
+</a:t>
             </a:r>
             <a:endParaRPr lang="en-US" sz="1600" dirty="0"/>
           </a:p>
@@ -3706,7 +4557,9 @@
                   <a:srgbClr val="030A18"/>
                 </a:solidFill>
               </a:rPr>
-              <a:t>Restricts analysis to a manually drawn region and computes Imax only inside this ROI.</a:t>
+              <a:t>
+• Global thresholding struggles because the maximum intensity originates from physiological uptake outside the tumour region.
+</a:t>
             </a:r>
             <a:endParaRPr lang="en-US" sz="1600" dirty="0"/>
           </a:p>
@@ -3721,7 +4574,19 @@
                   <a:srgbClr val="030A18"/>
                 </a:solidFill>
               </a:rPr>
-              <a:t>Uses a separate parameter p_roi (0.30 in P20, 0.20 in P21) to scale the local maximum.</a:t>
+              <a:t>
+• Otsu’s method fails in the presence of skewed intensity distributions, selecting thresholds that over‑segment healthy tissue.
+</a:t>
+            </a:r>
+            <a:r>
+              <a:rPr lang="en-US" sz="1600" b="1" dirty="0">
+                <a:solidFill>
+                  <a:srgbClr val="9BBB59"/>
+                </a:solidFill>
+              </a:rPr>
+              <a:t>
+Future Work
+</a:t>
             </a:r>
             <a:endParaRPr lang="en-US" sz="1600" dirty="0"/>
           </a:p>
@@ -3736,7 +4601,43 @@
                   <a:srgbClr val="030A18"/>
                 </a:solidFill>
               </a:rPr>
-              <a:t>Keeps only the connected component containing the hottest voxel to avoid spurious clusters.</a:t>
+              <a:t>
+• Incorporate more realistic ROIs using anatomical priors or automatic bounding boxes.
+</a:t>
+            </a:r>
+            <a:endParaRPr lang="en-US" sz="1600" dirty="0"/>
+          </a:p>
+          <a:p>
+            <a:pPr marL="190500" indent="-190500">
+              <a:buSzPct val="100000"/>
+              <a:buChar char="•"/>
+            </a:pPr>
+            <a:r>
+              <a:rPr lang="en-US" sz="1200" dirty="0">
+                <a:solidFill>
+                  <a:srgbClr val="030A18"/>
+                </a:solidFill>
+              </a:rPr>
+              <a:t>
+• Apply adaptive or multi‑thresholding schemes that account for local contrast variations.
+</a:t>
+            </a:r>
+            <a:endParaRPr lang="en-US" sz="1600" dirty="0"/>
+          </a:p>
+          <a:p>
+            <a:pPr marL="190500" indent="-190500">
+              <a:buSzPct val="100000"/>
+              <a:buChar char="•"/>
+            </a:pPr>
+            <a:r>
+              <a:rPr lang="en-US" sz="1200" dirty="0">
+                <a:solidFill>
+                  <a:srgbClr val="030A18"/>
+                </a:solidFill>
+              </a:rPr>
+              <a:t>
+• Validate on larger patient cohorts to understand variability across tumours.
+</a:t>
             </a:r>
             <a:endParaRPr lang="en-US" sz="1600" dirty="0"/>
           </a:p>
@@ -3750,8 +4651,8 @@
         </p:nvSpPr>
         <p:spPr>
           <a:xfrm>
-            <a:off x="457200" y="4777740"/>
-            <a:ext cx="1828800" cy="228600"/>
+            <a:off x="274320" y="4777740"/>
+            <a:ext cx="8686800" cy="228600"/>
           </a:xfrm>
           <a:prstGeom prst="rect">
             <a:avLst/>
@@ -3763,438 +4664,34 @@
           <a:bodyPr wrap="square" rtlCol="0" anchor="ctr"/>
           <a:lstStyle/>
           <a:p>
-            <a:pPr indent="0" marL="0">
+            <a:pPr marL="0" indent="0">
               <a:buNone/>
             </a:pPr>
             <a:r>
               <a:rPr lang="en-US" sz="600" u="sng" dirty="0">
                 <a:solidFill>
-                  <a:srgbClr val="A4B6B8"/>
-                </a:solidFill>
-                <a:hlinkClick r:id="rId1"/>
-              </a:rPr>
-              <a:t>[4]</a:t>
-            </a:r>
-            <a:pPr indent="0" marL="0">
-              <a:buNone/>
-            </a:pPr>
-            <a:r>
-              <a:rPr lang="en-US" sz="600" dirty="0">
-                <a:solidFill>
-                  <a:srgbClr val="000000"/>
+                  <a:srgbClr val="4F81BD"/>
+                </a:solidFill>
+                <a:hlinkClick r:id="rId3"/>
+              </a:rPr>
+              <a:t>[2]</a:t>
+            </a:r>
+            <a:r>
+              <a:rPr lang="en-US" sz="600" u="sng" dirty="0">
+                <a:solidFill>
+                  <a:srgbClr val="030A18"/>
                 </a:solidFill>
               </a:rPr>
               <a:t> </a:t>
             </a:r>
-            <a:pPr indent="0" marL="0">
-              <a:buNone/>
-            </a:pPr>
             <a:r>
               <a:rPr lang="en-US" sz="600" u="sng" dirty="0">
                 <a:solidFill>
-                  <a:srgbClr val="A4B6B8"/>
-                </a:solidFill>
-                <a:hlinkClick r:id="rId2"/>
-              </a:rPr>
-              <a:t>[5]</a:t>
-            </a:r>
-            <a:endParaRPr lang="en-US" sz="600" dirty="0"/>
-          </a:p>
-        </p:txBody>
-      </p:sp>
-    </p:spTree>
-  </p:cSld>
-  <p:clrMapOvr>
-    <a:masterClrMapping/>
-  </p:clrMapOvr>
-</p:sld>
-</file>
-
-<file path=ppt/slides/slide7.xml><?xml version="1.0" encoding="utf-8"?>
-<p:sld xmlns:a="http://schemas.openxmlformats.org/drawingml/2006/main" xmlns:r="http://schemas.openxmlformats.org/officeDocument/2006/relationships" xmlns:p="http://schemas.openxmlformats.org/presentationml/2006/main">
-  <p:cSld name="Slide 7">
-    <p:bg>
-      <p:bgPr>
-        <a:solidFill>
-          <a:srgbClr val="FFFFFF"/>
-        </a:solidFill>
-      </p:bgPr>
-    </p:bg>
-    <p:spTree>
-      <p:nvGrpSpPr>
-        <p:cNvPr id="1" name=""/>
-        <p:cNvGrpSpPr/>
-        <p:nvPr/>
-      </p:nvGrpSpPr>
-      <p:grpSpPr>
-        <a:xfrm>
-          <a:off x="0" y="0"/>
-          <a:ext cx="0" cy="0"/>
-          <a:chOff x="0" y="0"/>
-          <a:chExt cx="0" cy="0"/>
-        </a:xfrm>
-      </p:grpSpPr>
-      <p:sp>
-        <p:nvSpPr>
-          <p:cNvPr id="2" name="Text 0"/>
-          <p:cNvSpPr/>
-          <p:nvPr/>
-        </p:nvSpPr>
-        <p:spPr>
-          <a:xfrm>
-            <a:off x="274320" y="274320"/>
-            <a:ext cx="8595360" cy="502920"/>
-          </a:xfrm>
-          <a:prstGeom prst="rect">
-            <a:avLst/>
-          </a:prstGeom>
-          <a:noFill/>
-          <a:ln/>
-        </p:spPr>
-        <p:txBody>
-          <a:bodyPr wrap="square" rtlCol="0" anchor="ctr"/>
-          <a:lstStyle/>
-          <a:p>
-            <a:pPr indent="0" marL="0">
-              <a:buNone/>
-            </a:pPr>
-            <a:r>
-              <a:rPr lang="en-US" sz="2400" dirty="0">
-                <a:solidFill>
-                  <a:srgbClr val="030A18"/>
-                </a:solidFill>
-                <a:latin typeface="Arial" pitchFamily="34" charset="0"/>
-                <a:ea typeface="Arial" pitchFamily="34" charset="-122"/>
-                <a:cs typeface="Arial" pitchFamily="34" charset="-120"/>
-              </a:rPr>
-              <a:t>Conclusions &amp; Reporting</a:t>
-            </a:r>
-            <a:endParaRPr lang="en-US" sz="2400" dirty="0"/>
-          </a:p>
-        </p:txBody>
-      </p:sp>
-      <p:sp>
-        <p:nvSpPr>
-          <p:cNvPr id="3" name="Text 1"/>
-          <p:cNvSpPr/>
-          <p:nvPr/>
-        </p:nvSpPr>
-        <p:spPr>
-          <a:xfrm>
-            <a:off x="457200" y="1371600"/>
-            <a:ext cx="8686800" cy="365760"/>
-          </a:xfrm>
-          <a:prstGeom prst="rect">
-            <a:avLst/>
-          </a:prstGeom>
-          <a:noFill/>
-          <a:ln/>
-        </p:spPr>
-        <p:txBody>
-          <a:bodyPr wrap="square" rtlCol="0" anchor="ctr"/>
-          <a:lstStyle/>
-          <a:p>
-            <a:pPr indent="0" marL="0">
-              <a:buNone/>
-            </a:pPr>
-            <a:r>
-              <a:rPr lang="en-US" sz="1600" b="1" dirty="0">
-                <a:solidFill>
-                  <a:srgbClr val="030A18"/>
-                </a:solidFill>
-              </a:rPr>
-              <a:t>Key takeaways
-</a:t>
-            </a:r>
-            <a:endParaRPr lang="en-US" sz="1600" dirty="0"/>
-          </a:p>
-        </p:txBody>
-      </p:sp>
-      <p:sp>
-        <p:nvSpPr>
-          <p:cNvPr id="4" name="Text 2"/>
-          <p:cNvSpPr/>
-          <p:nvPr/>
-        </p:nvSpPr>
-        <p:spPr>
-          <a:xfrm>
-            <a:off x="457200" y="1737360"/>
-            <a:ext cx="8686800" cy="1280160"/>
-          </a:xfrm>
-          <a:prstGeom prst="rect">
-            <a:avLst/>
-          </a:prstGeom>
-          <a:noFill/>
-          <a:ln/>
-        </p:spPr>
-        <p:txBody>
-          <a:bodyPr wrap="square" rtlCol="0" anchor="ctr"/>
-          <a:lstStyle/>
-          <a:p>
-            <a:pPr marL="190500" indent="-190500">
-              <a:spcAft>
-                <a:spcPts val="360"/>
-              </a:spcAft>
-              <a:buSzPct val="100000"/>
-              <a:buChar char="•"/>
-            </a:pPr>
-            <a:r>
-              <a:rPr lang="en-US" sz="1200" dirty="0">
-                <a:solidFill>
-                  <a:srgbClr val="030A18"/>
-                </a:solidFill>
-              </a:rPr>
-              <a:t>The optimal threshold varies by dataset; exploring p across a range is essential.</a:t>
-            </a:r>
-            <a:endParaRPr lang="en-US" sz="1200" dirty="0"/>
-          </a:p>
-          <a:p>
-            <a:pPr marL="190500" indent="-190500">
-              <a:spcAft>
-                <a:spcPts val="360"/>
-              </a:spcAft>
-              <a:buSzPct val="100000"/>
-              <a:buChar char="•"/>
-            </a:pPr>
-            <a:r>
-              <a:rPr lang="en-US" sz="1200" dirty="0">
-                <a:solidFill>
-                  <a:srgbClr val="030A18"/>
-                </a:solidFill>
-              </a:rPr>
-              <a:t>Dice vs threshold curves reveal trade‑offs between sensitivity and specificity.</a:t>
-            </a:r>
-            <a:endParaRPr lang="en-US" sz="1200" dirty="0"/>
-          </a:p>
-          <a:p>
-            <a:pPr marL="190500" indent="-190500">
-              <a:spcAft>
-                <a:spcPts val="360"/>
-              </a:spcAft>
-              <a:buSzPct val="100000"/>
-              <a:buChar char="•"/>
-            </a:pPr>
-            <a:r>
-              <a:rPr lang="en-US" sz="1200" dirty="0">
-                <a:solidFill>
-                  <a:srgbClr val="030A18"/>
-                </a:solidFill>
-              </a:rPr>
-              <a:t>Largest‑component filtering mitigates noise; ROI‑guided thresholds further localise segmentation but require manual input.</a:t>
-            </a:r>
-            <a:endParaRPr lang="en-US" sz="1200" dirty="0"/>
-          </a:p>
-        </p:txBody>
-      </p:sp>
-      <p:sp>
-        <p:nvSpPr>
-          <p:cNvPr id="5" name="Text 3"/>
-          <p:cNvSpPr/>
-          <p:nvPr/>
-        </p:nvSpPr>
-        <p:spPr>
-          <a:xfrm>
-            <a:off x="457200" y="3291840"/>
-            <a:ext cx="8686800" cy="365760"/>
-          </a:xfrm>
-          <a:prstGeom prst="rect">
-            <a:avLst/>
-          </a:prstGeom>
-          <a:noFill/>
-          <a:ln/>
-        </p:spPr>
-        <p:txBody>
-          <a:bodyPr wrap="square" rtlCol="0" anchor="ctr"/>
-          <a:lstStyle/>
-          <a:p>
-            <a:pPr indent="0" marL="0">
-              <a:buNone/>
-            </a:pPr>
-            <a:r>
-              <a:rPr lang="en-US" sz="1600" b="1" dirty="0">
-                <a:solidFill>
-                  <a:srgbClr val="030A18"/>
-                </a:solidFill>
-              </a:rPr>
-              <a:t>Reporting recommendations
-</a:t>
-            </a:r>
-            <a:endParaRPr lang="en-US" sz="1600" dirty="0"/>
-          </a:p>
-        </p:txBody>
-      </p:sp>
-      <p:sp>
-        <p:nvSpPr>
-          <p:cNvPr id="6" name="Text 4"/>
-          <p:cNvSpPr/>
-          <p:nvPr/>
-        </p:nvSpPr>
-        <p:spPr>
-          <a:xfrm>
-            <a:off x="457200" y="3657600"/>
-            <a:ext cx="8686800" cy="1371600"/>
-          </a:xfrm>
-          <a:prstGeom prst="rect">
-            <a:avLst/>
-          </a:prstGeom>
-          <a:noFill/>
-          <a:ln/>
-        </p:spPr>
-        <p:txBody>
-          <a:bodyPr wrap="square" rtlCol="0" anchor="ctr"/>
-          <a:lstStyle/>
-          <a:p>
-            <a:pPr marL="190500" indent="-190500">
-              <a:spcAft>
-                <a:spcPts val="360"/>
-              </a:spcAft>
-              <a:buSzPct val="100000"/>
-              <a:buChar char="•"/>
-            </a:pPr>
-            <a:r>
-              <a:rPr lang="en-US" sz="1200" dirty="0">
-                <a:solidFill>
-                  <a:srgbClr val="030A18"/>
-                </a:solidFill>
-              </a:rPr>
-              <a:t>Describe acquisition parameters and pre‑processing (registration, resampling).</a:t>
-            </a:r>
-            <a:endParaRPr lang="en-US" sz="1200" dirty="0"/>
-          </a:p>
-          <a:p>
-            <a:pPr marL="190500" indent="-190500">
-              <a:spcAft>
-                <a:spcPts val="360"/>
-              </a:spcAft>
-              <a:buSzPct val="100000"/>
-              <a:buChar char="•"/>
-            </a:pPr>
-            <a:r>
-              <a:rPr lang="en-US" sz="1200" dirty="0">
-                <a:solidFill>
-                  <a:srgbClr val="030A18"/>
-                </a:solidFill>
-              </a:rPr>
-              <a:t>Specify the threshold formula (p·Imax), chosen p values, and any ROI definitions.</a:t>
-            </a:r>
-            <a:endParaRPr lang="en-US" sz="1200" dirty="0"/>
-          </a:p>
-          <a:p>
-            <a:pPr marL="190500" indent="-190500">
-              <a:spcAft>
-                <a:spcPts val="360"/>
-              </a:spcAft>
-              <a:buSzPct val="100000"/>
-              <a:buChar char="•"/>
-            </a:pPr>
-            <a:r>
-              <a:rPr lang="en-US" sz="1200" dirty="0">
-                <a:solidFill>
-                  <a:srgbClr val="030A18"/>
-                </a:solidFill>
-              </a:rPr>
-              <a:t>Report quantitative metrics: volumes, Dice scores, and segmentation examples.</a:t>
-            </a:r>
-            <a:endParaRPr lang="en-US" sz="1200" dirty="0"/>
-          </a:p>
-          <a:p>
-            <a:pPr marL="190500" indent="-190500">
-              <a:spcAft>
-                <a:spcPts val="360"/>
-              </a:spcAft>
-              <a:buSzPct val="100000"/>
-              <a:buChar char="•"/>
-            </a:pPr>
-            <a:r>
-              <a:rPr lang="en-US" sz="1200" dirty="0">
-                <a:solidFill>
-                  <a:srgbClr val="030A18"/>
-                </a:solidFill>
-              </a:rPr>
-              <a:t>Include Dice vs threshold plots to justify parameter selection.</a:t>
-            </a:r>
-            <a:endParaRPr lang="en-US" sz="1200" dirty="0"/>
-          </a:p>
-        </p:txBody>
-      </p:sp>
-      <p:sp>
-        <p:nvSpPr>
-          <p:cNvPr id="7" name="Text 5"/>
-          <p:cNvSpPr/>
-          <p:nvPr/>
-        </p:nvSpPr>
-        <p:spPr>
-          <a:xfrm>
-            <a:off x="457200" y="4777740"/>
-            <a:ext cx="2743200" cy="228600"/>
-          </a:xfrm>
-          <a:prstGeom prst="rect">
-            <a:avLst/>
-          </a:prstGeom>
-          <a:noFill/>
-          <a:ln/>
-        </p:spPr>
-        <p:txBody>
-          <a:bodyPr wrap="square" rtlCol="0" anchor="ctr"/>
-          <a:lstStyle/>
-          <a:p>
-            <a:pPr indent="0" marL="0">
-              <a:buNone/>
-            </a:pPr>
-            <a:r>
-              <a:rPr lang="en-US" sz="600" u="sng" dirty="0">
-                <a:solidFill>
-                  <a:srgbClr val="A4B6B8"/>
-                </a:solidFill>
-                <a:hlinkClick r:id="rId1"/>
-              </a:rPr>
-              <a:t>[1]</a:t>
-            </a:r>
-            <a:pPr indent="0" marL="0">
-              <a:buNone/>
-            </a:pPr>
-            <a:r>
-              <a:rPr lang="en-US" sz="600" dirty="0">
-                <a:solidFill>
-                  <a:srgbClr val="000000"/>
-                </a:solidFill>
-              </a:rPr>
-              <a:t> </a:t>
-            </a:r>
-            <a:pPr indent="0" marL="0">
-              <a:buNone/>
-            </a:pPr>
-            <a:r>
-              <a:rPr lang="en-US" sz="600" u="sng" dirty="0">
-                <a:solidFill>
-                  <a:srgbClr val="A4B6B8"/>
-                </a:solidFill>
-                <a:hlinkClick r:id="rId2"/>
-              </a:rPr>
-              <a:t>[2]</a:t>
-            </a:r>
-            <a:pPr indent="0" marL="0">
-              <a:buNone/>
-            </a:pPr>
-            <a:r>
-              <a:rPr lang="en-US" sz="600" dirty="0">
-                <a:solidFill>
-                  <a:srgbClr val="000000"/>
-                </a:solidFill>
-              </a:rPr>
-              <a:t> </a:t>
-            </a:r>
-            <a:pPr indent="0" marL="0">
-              <a:buNone/>
-            </a:pPr>
-            <a:r>
-              <a:rPr lang="en-US" sz="600" u="sng" dirty="0">
-                <a:solidFill>
-                  <a:srgbClr val="A4B6B8"/>
-                </a:solidFill>
-                <a:hlinkClick r:id="rId3"/>
-              </a:rPr>
-              <a:t>[4]</a:t>
+                  <a:srgbClr val="9BBB59"/>
+                </a:solidFill>
+                <a:hlinkClick r:id="rId4"/>
+              </a:rPr>
+              <a:t>[6]</a:t>
             </a:r>
             <a:endParaRPr lang="en-US" sz="600" dirty="0"/>
           </a:p>
@@ -4501,4 +4998,319 @@
     </a:ext>
   </a:extLst>
 </a:theme>
+</file>
+
+<file path=ppt/theme/theme2.xml><?xml version="1.0" encoding="utf-8"?>
+<a:theme xmlns:a="http://schemas.openxmlformats.org/drawingml/2006/main" name="Office Theme">
+  <a:themeElements>
+    <a:clrScheme name="Office">
+      <a:dk1>
+        <a:sysClr val="windowText" lastClr="000000"/>
+      </a:dk1>
+      <a:lt1>
+        <a:sysClr val="window" lastClr="FFFFFF"/>
+      </a:lt1>
+      <a:dk2>
+        <a:srgbClr val="0E2841"/>
+      </a:dk2>
+      <a:lt2>
+        <a:srgbClr val="E8E8E8"/>
+      </a:lt2>
+      <a:accent1>
+        <a:srgbClr val="156082"/>
+      </a:accent1>
+      <a:accent2>
+        <a:srgbClr val="E97132"/>
+      </a:accent2>
+      <a:accent3>
+        <a:srgbClr val="196B24"/>
+      </a:accent3>
+      <a:accent4>
+        <a:srgbClr val="0F9ED5"/>
+      </a:accent4>
+      <a:accent5>
+        <a:srgbClr val="A02B93"/>
+      </a:accent5>
+      <a:accent6>
+        <a:srgbClr val="4EA72E"/>
+      </a:accent6>
+      <a:hlink>
+        <a:srgbClr val="467886"/>
+      </a:hlink>
+      <a:folHlink>
+        <a:srgbClr val="96607D"/>
+      </a:folHlink>
+    </a:clrScheme>
+    <a:fontScheme name="Office">
+      <a:majorFont>
+        <a:latin typeface="Aptos Display" panose="02110004020202020204"/>
+        <a:ea typeface=""/>
+        <a:cs typeface=""/>
+        <a:font script="Jpan" typeface="游ゴシック Light"/>
+        <a:font script="Hang" typeface="맑은 고딕"/>
+        <a:font script="Hans" typeface="等线 Light"/>
+        <a:font script="Hant" typeface="新細明體"/>
+        <a:font script="Arab" typeface="Times New Roman"/>
+        <a:font script="Hebr" typeface="Times New Roman"/>
+        <a:font script="Thai" typeface="Angsana New"/>
+        <a:font script="Ethi" typeface="Nyala"/>
+        <a:font script="Beng" typeface="Vrinda"/>
+        <a:font script="Gujr" typeface="Shruti"/>
+        <a:font script="Khmr" typeface="MoolBoran"/>
+        <a:font script="Knda" typeface="Tunga"/>
+        <a:font script="Guru" typeface="Raavi"/>
+        <a:font script="Cans" typeface="Euphemia"/>
+        <a:font script="Cher" typeface="Plantagenet Cherokee"/>
+        <a:font script="Yiii" typeface="Microsoft Yi Baiti"/>
+        <a:font script="Tibt" typeface="Microsoft Himalaya"/>
+        <a:font script="Thaa" typeface="MV Boli"/>
+        <a:font script="Deva" typeface="Mangal"/>
+        <a:font script="Telu" typeface="Gautami"/>
+        <a:font script="Taml" typeface="Latha"/>
+        <a:font script="Syrc" typeface="Estrangelo Edessa"/>
+        <a:font script="Orya" typeface="Kalinga"/>
+        <a:font script="Mlym" typeface="Kartika"/>
+        <a:font script="Laoo" typeface="DokChampa"/>
+        <a:font script="Sinh" typeface="Iskoola Pota"/>
+        <a:font script="Mong" typeface="Mongolian Baiti"/>
+        <a:font script="Viet" typeface="Times New Roman"/>
+        <a:font script="Uigh" typeface="Microsoft Uighur"/>
+        <a:font script="Geor" typeface="Sylfaen"/>
+        <a:font script="Armn" typeface="Arial"/>
+        <a:font script="Bugi" typeface="Leelawadee UI"/>
+        <a:font script="Bopo" typeface="Microsoft JhengHei"/>
+        <a:font script="Java" typeface="Javanese Text"/>
+        <a:font script="Lisu" typeface="Segoe UI"/>
+        <a:font script="Mymr" typeface="Myanmar Text"/>
+        <a:font script="Nkoo" typeface="Ebrima"/>
+        <a:font script="Olck" typeface="Nirmala UI"/>
+        <a:font script="Osma" typeface="Ebrima"/>
+        <a:font script="Phag" typeface="Phagspa"/>
+        <a:font script="Syrn" typeface="Estrangelo Edessa"/>
+        <a:font script="Syrj" typeface="Estrangelo Edessa"/>
+        <a:font script="Syre" typeface="Estrangelo Edessa"/>
+        <a:font script="Sora" typeface="Nirmala UI"/>
+        <a:font script="Tale" typeface="Microsoft Tai Le"/>
+        <a:font script="Talu" typeface="Microsoft New Tai Lue"/>
+        <a:font script="Tfng" typeface="Ebrima"/>
+      </a:majorFont>
+      <a:minorFont>
+        <a:latin typeface="Aptos" panose="02110004020202020204"/>
+        <a:ea typeface=""/>
+        <a:cs typeface=""/>
+        <a:font script="Jpan" typeface="游ゴシック"/>
+        <a:font script="Hang" typeface="맑은 고딕"/>
+        <a:font script="Hans" typeface="等线"/>
+        <a:font script="Hant" typeface="新細明體"/>
+        <a:font script="Arab" typeface="Arial"/>
+        <a:font script="Hebr" typeface="Arial"/>
+        <a:font script="Thai" typeface="Cordia New"/>
+        <a:font script="Ethi" typeface="Nyala"/>
+        <a:font script="Beng" typeface="Vrinda"/>
+        <a:font script="Gujr" typeface="Shruti"/>
+        <a:font script="Khmr" typeface="DaunPenh"/>
+        <a:font script="Knda" typeface="Tunga"/>
+        <a:font script="Guru" typeface="Raavi"/>
+        <a:font script="Cans" typeface="Euphemia"/>
+        <a:font script="Cher" typeface="Plantagenet Cherokee"/>
+        <a:font script="Yiii" typeface="Microsoft Yi Baiti"/>
+        <a:font script="Tibt" typeface="Microsoft Himalaya"/>
+        <a:font script="Thaa" typeface="MV Boli"/>
+        <a:font script="Deva" typeface="Mangal"/>
+        <a:font script="Telu" typeface="Gautami"/>
+        <a:font script="Taml" typeface="Latha"/>
+        <a:font script="Syrc" typeface="Estrangelo Edessa"/>
+        <a:font script="Orya" typeface="Kalinga"/>
+        <a:font script="Mlym" typeface="Kartika"/>
+        <a:font script="Laoo" typeface="DokChampa"/>
+        <a:font script="Sinh" typeface="Iskoola Pota"/>
+        <a:font script="Mong" typeface="Mongolian Baiti"/>
+        <a:font script="Viet" typeface="Arial"/>
+        <a:font script="Uigh" typeface="Microsoft Uighur"/>
+        <a:font script="Geor" typeface="Sylfaen"/>
+        <a:font script="Armn" typeface="Arial"/>
+        <a:font script="Bugi" typeface="Leelawadee UI"/>
+        <a:font script="Bopo" typeface="Microsoft JhengHei"/>
+        <a:font script="Java" typeface="Javanese Text"/>
+        <a:font script="Lisu" typeface="Segoe UI"/>
+        <a:font script="Mymr" typeface="Myanmar Text"/>
+        <a:font script="Nkoo" typeface="Ebrima"/>
+        <a:font script="Olck" typeface="Nirmala UI"/>
+        <a:font script="Osma" typeface="Ebrima"/>
+        <a:font script="Phag" typeface="Phagspa"/>
+        <a:font script="Syrn" typeface="Estrangelo Edessa"/>
+        <a:font script="Syrj" typeface="Estrangelo Edessa"/>
+        <a:font script="Syre" typeface="Estrangelo Edessa"/>
+        <a:font script="Sora" typeface="Nirmala UI"/>
+        <a:font script="Tale" typeface="Microsoft Tai Le"/>
+        <a:font script="Talu" typeface="Microsoft New Tai Lue"/>
+        <a:font script="Tfng" typeface="Ebrima"/>
+      </a:minorFont>
+    </a:fontScheme>
+    <a:fmtScheme name="Office">
+      <a:fillStyleLst>
+        <a:solidFill>
+          <a:schemeClr val="phClr"/>
+        </a:solidFill>
+        <a:gradFill rotWithShape="1">
+          <a:gsLst>
+            <a:gs pos="0">
+              <a:schemeClr val="phClr">
+                <a:lumMod val="110000"/>
+                <a:satMod val="105000"/>
+                <a:tint val="67000"/>
+              </a:schemeClr>
+            </a:gs>
+            <a:gs pos="50000">
+              <a:schemeClr val="phClr">
+                <a:lumMod val="105000"/>
+                <a:satMod val="103000"/>
+                <a:tint val="73000"/>
+              </a:schemeClr>
+            </a:gs>
+            <a:gs pos="100000">
+              <a:schemeClr val="phClr">
+                <a:lumMod val="105000"/>
+                <a:satMod val="109000"/>
+                <a:tint val="81000"/>
+              </a:schemeClr>
+            </a:gs>
+          </a:gsLst>
+          <a:lin ang="5400000" scaled="0"/>
+        </a:gradFill>
+        <a:gradFill rotWithShape="1">
+          <a:gsLst>
+            <a:gs pos="0">
+              <a:schemeClr val="phClr">
+                <a:satMod val="103000"/>
+                <a:lumMod val="102000"/>
+                <a:tint val="94000"/>
+              </a:schemeClr>
+            </a:gs>
+            <a:gs pos="50000">
+              <a:schemeClr val="phClr">
+                <a:satMod val="110000"/>
+                <a:lumMod val="100000"/>
+                <a:shade val="100000"/>
+              </a:schemeClr>
+            </a:gs>
+            <a:gs pos="100000">
+              <a:schemeClr val="phClr">
+                <a:lumMod val="99000"/>
+                <a:satMod val="120000"/>
+                <a:shade val="78000"/>
+              </a:schemeClr>
+            </a:gs>
+          </a:gsLst>
+          <a:lin ang="5400000" scaled="0"/>
+        </a:gradFill>
+      </a:fillStyleLst>
+      <a:lnStyleLst>
+        <a:ln w="12700" cap="flat" cmpd="sng" algn="ctr">
+          <a:solidFill>
+            <a:schemeClr val="phClr"/>
+          </a:solidFill>
+          <a:prstDash val="solid"/>
+          <a:miter lim="800000"/>
+        </a:ln>
+        <a:ln w="19050" cap="flat" cmpd="sng" algn="ctr">
+          <a:solidFill>
+            <a:schemeClr val="phClr"/>
+          </a:solidFill>
+          <a:prstDash val="solid"/>
+          <a:miter lim="800000"/>
+        </a:ln>
+        <a:ln w="25400" cap="flat" cmpd="sng" algn="ctr">
+          <a:solidFill>
+            <a:schemeClr val="phClr"/>
+          </a:solidFill>
+          <a:prstDash val="solid"/>
+          <a:miter lim="800000"/>
+        </a:ln>
+      </a:lnStyleLst>
+      <a:effectStyleLst>
+        <a:effectStyle>
+          <a:effectLst/>
+        </a:effectStyle>
+        <a:effectStyle>
+          <a:effectLst/>
+        </a:effectStyle>
+        <a:effectStyle>
+          <a:effectLst>
+            <a:outerShdw blurRad="57150" dist="19050" dir="5400000" algn="ctr" rotWithShape="0">
+              <a:srgbClr val="000000">
+                <a:alpha val="63000"/>
+              </a:srgbClr>
+            </a:outerShdw>
+          </a:effectLst>
+        </a:effectStyle>
+      </a:effectStyleLst>
+      <a:bgFillStyleLst>
+        <a:solidFill>
+          <a:schemeClr val="phClr"/>
+        </a:solidFill>
+        <a:solidFill>
+          <a:schemeClr val="phClr">
+            <a:tint val="95000"/>
+            <a:satMod val="170000"/>
+          </a:schemeClr>
+        </a:solidFill>
+        <a:gradFill rotWithShape="1">
+          <a:gsLst>
+            <a:gs pos="0">
+              <a:schemeClr val="phClr">
+                <a:tint val="93000"/>
+                <a:satMod val="150000"/>
+                <a:shade val="98000"/>
+                <a:lumMod val="102000"/>
+              </a:schemeClr>
+            </a:gs>
+            <a:gs pos="50000">
+              <a:schemeClr val="phClr">
+                <a:tint val="98000"/>
+                <a:satMod val="130000"/>
+                <a:shade val="90000"/>
+                <a:lumMod val="103000"/>
+              </a:schemeClr>
+            </a:gs>
+            <a:gs pos="100000">
+              <a:schemeClr val="phClr">
+                <a:shade val="63000"/>
+                <a:satMod val="120000"/>
+              </a:schemeClr>
+            </a:gs>
+          </a:gsLst>
+          <a:lin ang="5400000" scaled="0"/>
+        </a:gradFill>
+      </a:bgFillStyleLst>
+    </a:fmtScheme>
+  </a:themeElements>
+  <a:objectDefaults>
+    <a:lnDef>
+      <a:spPr/>
+      <a:bodyPr/>
+      <a:lstStyle/>
+      <a:style>
+        <a:lnRef idx="2">
+          <a:schemeClr val="accent1"/>
+        </a:lnRef>
+        <a:fillRef idx="0">
+          <a:schemeClr val="accent1"/>
+        </a:fillRef>
+        <a:effectRef idx="1">
+          <a:schemeClr val="accent1"/>
+        </a:effectRef>
+        <a:fontRef idx="minor">
+          <a:schemeClr val="tx1"/>
+        </a:fontRef>
+      </a:style>
+    </a:lnDef>
+  </a:objectDefaults>
+  <a:extraClrSchemeLst/>
+  <a:extLst>
+    <a:ext uri="{05A4C25C-085E-4340-85A3-A5531E510DB2}">
+      <thm15:themeFamily xmlns:thm15="http://schemas.microsoft.com/office/thememl/2012/main" name="Office Theme" id="{2E142A2C-CD16-42D6-873A-C26D2A0506FA}" vid="{1BDDFF52-6CD6-40A5-AB3C-68EB2F1E4D0A}"/>
+    </a:ext>
+  </a:extLst>
+</a:theme>
 </file>